--- a/인공지능/20194009_이준석_인공지능_연습문제풀이.pptx
+++ b/인공지능/20194009_이준석_인공지능_연습문제풀이.pptx
@@ -41,9 +41,9 @@
     <p:sldId id="284" r:id="rId32"/>
     <p:sldId id="291" r:id="rId33"/>
     <p:sldId id="285" r:id="rId34"/>
-    <p:sldId id="292" r:id="rId35"/>
-    <p:sldId id="293" r:id="rId36"/>
-    <p:sldId id="286" r:id="rId37"/>
+    <p:sldId id="286" r:id="rId35"/>
+    <p:sldId id="292" r:id="rId36"/>
+    <p:sldId id="293" r:id="rId37"/>
     <p:sldId id="287" r:id="rId38"/>
     <p:sldId id="288" r:id="rId39"/>
     <p:sldId id="289" r:id="rId40"/>
@@ -158,8 +158,7 @@
 <file path=ppt/revisionInfo.xml><?xml version="1.0" encoding="utf-8"?>
 <p1510:revInfo xmlns:a="http://schemas.openxmlformats.org/drawingml/2006/main" xmlns:r="http://schemas.openxmlformats.org/officeDocument/2006/relationships" xmlns:p1510="http://schemas.microsoft.com/office/powerpoint/2015/10/main">
   <p1510:revLst>
-    <p1510:client id="{DB6A7CBE-3CDD-40A2-BE4C-F9DEAD69B0DE}" v="1212" dt="2023-04-07T12:51:55.385"/>
-    <p1510:client id="{455E85DA-9AD9-4F8E-A446-889125CF1117}" v="10" dt="2023-04-08T06:58:15.657"/>
+    <p1510:client id="{455E85DA-9AD9-4F8E-A446-889125CF1117}" v="11" dt="2023-04-08T19:06:06.754"/>
   </p1510:revLst>
 </p1510:revInfo>
 </file>
@@ -168,11 +167,78 @@
 <pc:chgInfo xmlns:a="http://schemas.openxmlformats.org/drawingml/2006/main" xmlns:r="http://schemas.openxmlformats.org/officeDocument/2006/relationships" xmlns:ac="http://schemas.microsoft.com/office/drawing/2013/main/command" xmlns:pc="http://schemas.microsoft.com/office/powerpoint/2013/main/command">
   <pc:docChgLst>
     <pc:chgData name="이 준석" userId="7581758f60bc1c4f" providerId="LiveId" clId="{455E85DA-9AD9-4F8E-A446-889125CF1117}"/>
-    <pc:docChg chg="custSel addSld modSld sldOrd">
-      <pc:chgData name="이 준석" userId="7581758f60bc1c4f" providerId="LiveId" clId="{455E85DA-9AD9-4F8E-A446-889125CF1117}" dt="2023-04-08T06:58:15.656" v="52"/>
+    <pc:docChg chg="undo custSel addSld modSld sldOrd">
+      <pc:chgData name="이 준석" userId="7581758f60bc1c4f" providerId="LiveId" clId="{455E85DA-9AD9-4F8E-A446-889125CF1117}" dt="2023-04-08T19:06:06.753" v="70"/>
       <pc:docMkLst>
         <pc:docMk/>
       </pc:docMkLst>
+      <pc:sldChg chg="modSp">
+        <pc:chgData name="이 준석" userId="7581758f60bc1c4f" providerId="LiveId" clId="{455E85DA-9AD9-4F8E-A446-889125CF1117}" dt="2023-04-08T18:56:51.990" v="57" actId="207"/>
+        <pc:sldMkLst>
+          <pc:docMk/>
+          <pc:sldMk cId="3244439215" sldId="268"/>
+        </pc:sldMkLst>
+        <pc:spChg chg="mod">
+          <ac:chgData name="이 준석" userId="7581758f60bc1c4f" providerId="LiveId" clId="{455E85DA-9AD9-4F8E-A446-889125CF1117}" dt="2023-04-08T18:56:51.990" v="57" actId="207"/>
+          <ac:spMkLst>
+            <pc:docMk/>
+            <pc:sldMk cId="3244439215" sldId="268"/>
+            <ac:spMk id="7" creationId="{A206221E-5019-4F60-8EF5-61526EF1D8C6}"/>
+          </ac:spMkLst>
+        </pc:spChg>
+      </pc:sldChg>
+      <pc:sldChg chg="modSp">
+        <pc:chgData name="이 준석" userId="7581758f60bc1c4f" providerId="LiveId" clId="{455E85DA-9AD9-4F8E-A446-889125CF1117}" dt="2023-04-08T18:57:02.220" v="62" actId="207"/>
+        <pc:sldMkLst>
+          <pc:docMk/>
+          <pc:sldMk cId="1236204407" sldId="269"/>
+        </pc:sldMkLst>
+        <pc:spChg chg="mod">
+          <ac:chgData name="이 준석" userId="7581758f60bc1c4f" providerId="LiveId" clId="{455E85DA-9AD9-4F8E-A446-889125CF1117}" dt="2023-04-08T18:57:02.220" v="62" actId="207"/>
+          <ac:spMkLst>
+            <pc:docMk/>
+            <pc:sldMk cId="1236204407" sldId="269"/>
+            <ac:spMk id="7" creationId="{A206221E-5019-4F60-8EF5-61526EF1D8C6}"/>
+          </ac:spMkLst>
+        </pc:spChg>
+      </pc:sldChg>
+      <pc:sldChg chg="modSp">
+        <pc:chgData name="이 준석" userId="7581758f60bc1c4f" providerId="LiveId" clId="{455E85DA-9AD9-4F8E-A446-889125CF1117}" dt="2023-04-08T18:58:10.157" v="68" actId="207"/>
+        <pc:sldMkLst>
+          <pc:docMk/>
+          <pc:sldMk cId="3247932488" sldId="270"/>
+        </pc:sldMkLst>
+        <pc:spChg chg="mod">
+          <ac:chgData name="이 준석" userId="7581758f60bc1c4f" providerId="LiveId" clId="{455E85DA-9AD9-4F8E-A446-889125CF1117}" dt="2023-04-08T18:58:10.157" v="68" actId="207"/>
+          <ac:spMkLst>
+            <pc:docMk/>
+            <pc:sldMk cId="3247932488" sldId="270"/>
+            <ac:spMk id="7" creationId="{A206221E-5019-4F60-8EF5-61526EF1D8C6}"/>
+          </ac:spMkLst>
+        </pc:spChg>
+      </pc:sldChg>
+      <pc:sldChg chg="delSp">
+        <pc:chgData name="이 준석" userId="7581758f60bc1c4f" providerId="LiveId" clId="{455E85DA-9AD9-4F8E-A446-889125CF1117}" dt="2023-04-08T18:58:30.315" v="69" actId="478"/>
+        <pc:sldMkLst>
+          <pc:docMk/>
+          <pc:sldMk cId="595957202" sldId="271"/>
+        </pc:sldMkLst>
+        <pc:spChg chg="del">
+          <ac:chgData name="이 준석" userId="7581758f60bc1c4f" providerId="LiveId" clId="{455E85DA-9AD9-4F8E-A446-889125CF1117}" dt="2023-04-08T18:58:30.315" v="69" actId="478"/>
+          <ac:spMkLst>
+            <pc:docMk/>
+            <pc:sldMk cId="595957202" sldId="271"/>
+            <ac:spMk id="8" creationId="{5EE0DE75-84BE-427D-A9F7-C65266C69F90}"/>
+          </ac:spMkLst>
+        </pc:spChg>
+      </pc:sldChg>
+      <pc:sldChg chg="ord">
+        <pc:chgData name="이 준석" userId="7581758f60bc1c4f" providerId="LiveId" clId="{455E85DA-9AD9-4F8E-A446-889125CF1117}" dt="2023-04-08T19:06:06.753" v="70"/>
+        <pc:sldMkLst>
+          <pc:docMk/>
+          <pc:sldMk cId="1597183887" sldId="286"/>
+        </pc:sldMkLst>
+      </pc:sldChg>
       <pc:sldChg chg="addSp modSp">
         <pc:chgData name="이 준석" userId="7581758f60bc1c4f" providerId="LiveId" clId="{455E85DA-9AD9-4F8E-A446-889125CF1117}" dt="2023-04-07T16:51:39.238" v="22" actId="20577"/>
         <pc:sldMkLst>
@@ -377,7 +443,7 @@
           <a:p>
             <a:fld id="{72862874-7EB1-49BB-BC58-05ED80B10A6B}" type="datetimeFigureOut">
               <a:rPr lang="ko-KR" altLang="en-US" smtClean="0"/>
-              <a:t>2023-04-08</a:t>
+              <a:t>2023-04-09</a:t>
             </a:fld>
             <a:endParaRPr lang="ko-KR" altLang="en-US"/>
           </a:p>
@@ -791,7 +857,7 @@
           <a:p>
             <a:fld id="{E5FB44BC-7A29-4D78-90D8-7BFB4B046527}" type="datetimeFigureOut">
               <a:rPr lang="ko-KR" altLang="en-US" smtClean="0"/>
-              <a:t>2023-04-08</a:t>
+              <a:t>2023-04-09</a:t>
             </a:fld>
             <a:endParaRPr lang="ko-KR" altLang="en-US"/>
           </a:p>
@@ -989,7 +1055,7 @@
           <a:p>
             <a:fld id="{E5FB44BC-7A29-4D78-90D8-7BFB4B046527}" type="datetimeFigureOut">
               <a:rPr lang="ko-KR" altLang="en-US" smtClean="0"/>
-              <a:t>2023-04-08</a:t>
+              <a:t>2023-04-09</a:t>
             </a:fld>
             <a:endParaRPr lang="ko-KR" altLang="en-US"/>
           </a:p>
@@ -1197,7 +1263,7 @@
           <a:p>
             <a:fld id="{E5FB44BC-7A29-4D78-90D8-7BFB4B046527}" type="datetimeFigureOut">
               <a:rPr lang="ko-KR" altLang="en-US" smtClean="0"/>
-              <a:t>2023-04-08</a:t>
+              <a:t>2023-04-09</a:t>
             </a:fld>
             <a:endParaRPr lang="ko-KR" altLang="en-US"/>
           </a:p>
@@ -1395,7 +1461,7 @@
           <a:p>
             <a:fld id="{E5FB44BC-7A29-4D78-90D8-7BFB4B046527}" type="datetimeFigureOut">
               <a:rPr lang="ko-KR" altLang="en-US" smtClean="0"/>
-              <a:t>2023-04-08</a:t>
+              <a:t>2023-04-09</a:t>
             </a:fld>
             <a:endParaRPr lang="ko-KR" altLang="en-US"/>
           </a:p>
@@ -1670,7 +1736,7 @@
           <a:p>
             <a:fld id="{E5FB44BC-7A29-4D78-90D8-7BFB4B046527}" type="datetimeFigureOut">
               <a:rPr lang="ko-KR" altLang="en-US" smtClean="0"/>
-              <a:t>2023-04-08</a:t>
+              <a:t>2023-04-09</a:t>
             </a:fld>
             <a:endParaRPr lang="ko-KR" altLang="en-US"/>
           </a:p>
@@ -1935,7 +2001,7 @@
           <a:p>
             <a:fld id="{E5FB44BC-7A29-4D78-90D8-7BFB4B046527}" type="datetimeFigureOut">
               <a:rPr lang="ko-KR" altLang="en-US" smtClean="0"/>
-              <a:t>2023-04-08</a:t>
+              <a:t>2023-04-09</a:t>
             </a:fld>
             <a:endParaRPr lang="ko-KR" altLang="en-US"/>
           </a:p>
@@ -2347,7 +2413,7 @@
           <a:p>
             <a:fld id="{E5FB44BC-7A29-4D78-90D8-7BFB4B046527}" type="datetimeFigureOut">
               <a:rPr lang="ko-KR" altLang="en-US" smtClean="0"/>
-              <a:t>2023-04-08</a:t>
+              <a:t>2023-04-09</a:t>
             </a:fld>
             <a:endParaRPr lang="ko-KR" altLang="en-US"/>
           </a:p>
@@ -2488,7 +2554,7 @@
           <a:p>
             <a:fld id="{E5FB44BC-7A29-4D78-90D8-7BFB4B046527}" type="datetimeFigureOut">
               <a:rPr lang="ko-KR" altLang="en-US" smtClean="0"/>
-              <a:t>2023-04-08</a:t>
+              <a:t>2023-04-09</a:t>
             </a:fld>
             <a:endParaRPr lang="ko-KR" altLang="en-US"/>
           </a:p>
@@ -2601,7 +2667,7 @@
           <a:p>
             <a:fld id="{E5FB44BC-7A29-4D78-90D8-7BFB4B046527}" type="datetimeFigureOut">
               <a:rPr lang="ko-KR" altLang="en-US" smtClean="0"/>
-              <a:t>2023-04-08</a:t>
+              <a:t>2023-04-09</a:t>
             </a:fld>
             <a:endParaRPr lang="ko-KR" altLang="en-US"/>
           </a:p>
@@ -2912,7 +2978,7 @@
           <a:p>
             <a:fld id="{E5FB44BC-7A29-4D78-90D8-7BFB4B046527}" type="datetimeFigureOut">
               <a:rPr lang="ko-KR" altLang="en-US" smtClean="0"/>
-              <a:t>2023-04-08</a:t>
+              <a:t>2023-04-09</a:t>
             </a:fld>
             <a:endParaRPr lang="ko-KR" altLang="en-US"/>
           </a:p>
@@ -3200,7 +3266,7 @@
           <a:p>
             <a:fld id="{E5FB44BC-7A29-4D78-90D8-7BFB4B046527}" type="datetimeFigureOut">
               <a:rPr lang="ko-KR" altLang="en-US" smtClean="0"/>
-              <a:t>2023-04-08</a:t>
+              <a:t>2023-04-09</a:t>
             </a:fld>
             <a:endParaRPr lang="ko-KR" altLang="en-US"/>
           </a:p>
@@ -3441,7 +3507,7 @@
           <a:p>
             <a:fld id="{E5FB44BC-7A29-4D78-90D8-7BFB4B046527}" type="datetimeFigureOut">
               <a:rPr lang="ko-KR" altLang="en-US" smtClean="0"/>
-              <a:t>2023-04-08</a:t>
+              <a:t>2023-04-09</a:t>
             </a:fld>
             <a:endParaRPr lang="ko-KR" altLang="en-US"/>
           </a:p>
@@ -7591,7 +7657,7 @@
         <p:spPr>
           <a:xfrm>
             <a:off x="8016240" y="1160841"/>
-            <a:ext cx="3429000" cy="923330"/>
+            <a:ext cx="3429000" cy="1200329"/>
           </a:xfrm>
           <a:prstGeom prst="rect">
             <a:avLst/>
@@ -7619,6 +7685,16 @@
             <a:r>
               <a:rPr lang="en-US" altLang="ko-KR" dirty="0"/>
               <a:t>F</a:t>
+            </a:r>
+          </a:p>
+          <a:p>
+            <a:r>
+              <a:rPr lang="en-US" altLang="ko-KR" dirty="0">
+                <a:solidFill>
+                  <a:srgbClr val="FF0000"/>
+                </a:solidFill>
+              </a:rPr>
+              <a:t>D</a:t>
             </a:r>
           </a:p>
         </p:txBody>
@@ -8123,7 +8199,7 @@
         <p:spPr>
           <a:xfrm>
             <a:off x="8016240" y="1160841"/>
-            <a:ext cx="3429000" cy="923330"/>
+            <a:ext cx="3429000" cy="1477328"/>
           </a:xfrm>
           <a:prstGeom prst="rect">
             <a:avLst/>
@@ -8151,6 +8227,22 @@
             <a:r>
               <a:rPr lang="en-US" altLang="ko-KR" dirty="0"/>
               <a:t>F</a:t>
+            </a:r>
+          </a:p>
+          <a:p>
+            <a:r>
+              <a:rPr lang="en-US" altLang="ko-KR" dirty="0"/>
+              <a:t>D</a:t>
+            </a:r>
+          </a:p>
+          <a:p>
+            <a:r>
+              <a:rPr lang="en-US" altLang="ko-KR" dirty="0">
+                <a:solidFill>
+                  <a:srgbClr val="FF0000"/>
+                </a:solidFill>
+              </a:rPr>
+              <a:t>C</a:t>
             </a:r>
           </a:p>
         </p:txBody>
@@ -8615,7 +8707,7 @@
         <p:spPr>
           <a:xfrm>
             <a:off x="8016240" y="1160841"/>
-            <a:ext cx="3429000" cy="1477328"/>
+            <a:ext cx="3429000" cy="1754326"/>
           </a:xfrm>
           <a:prstGeom prst="rect">
             <a:avLst/>
@@ -8643,6 +8735,18 @@
             <a:r>
               <a:rPr lang="en-US" altLang="ko-KR" dirty="0"/>
               <a:t>F</a:t>
+            </a:r>
+          </a:p>
+          <a:p>
+            <a:r>
+              <a:rPr lang="en-US" altLang="ko-KR" dirty="0"/>
+              <a:t>C</a:t>
+            </a:r>
+          </a:p>
+          <a:p>
+            <a:r>
+              <a:rPr lang="en-US" altLang="ko-KR" dirty="0"/>
+              <a:t>D</a:t>
             </a:r>
           </a:p>
           <a:p>
@@ -8652,17 +8756,7 @@
                   <a:srgbClr val="FF0000"/>
                 </a:solidFill>
               </a:rPr>
-              <a:t>C</a:t>
-            </a:r>
-          </a:p>
-          <a:p>
-            <a:r>
-              <a:rPr lang="en-US" altLang="ko-KR" dirty="0">
-                <a:solidFill>
-                  <a:srgbClr val="FF0000"/>
-                </a:solidFill>
-              </a:rPr>
-              <a:t>D</a:t>
+              <a:t>E</a:t>
             </a:r>
           </a:p>
         </p:txBody>
@@ -9318,46 +9412,6 @@
       </p:sp>
       <p:sp>
         <p:nvSpPr>
-          <p:cNvPr id="8" name="TextBox 7">
-            <a:extLst>
-              <a:ext uri="{FF2B5EF4-FFF2-40B4-BE49-F238E27FC236}">
-                <a16:creationId xmlns:a16="http://schemas.microsoft.com/office/drawing/2014/main" id="{5EE0DE75-84BE-427D-A9F7-C65266C69F90}"/>
-              </a:ext>
-            </a:extLst>
-          </p:cNvPr>
-          <p:cNvSpPr txBox="1"/>
-          <p:nvPr/>
-        </p:nvSpPr>
-        <p:spPr>
-          <a:xfrm>
-            <a:off x="978408" y="3557016"/>
-            <a:ext cx="1188720" cy="338554"/>
-          </a:xfrm>
-          <a:prstGeom prst="rect">
-            <a:avLst/>
-          </a:prstGeom>
-          <a:noFill/>
-        </p:spPr>
-        <p:txBody>
-          <a:bodyPr wrap="square" rtlCol="0">
-            <a:spAutoFit/>
-          </a:bodyPr>
-          <a:lstStyle/>
-          <a:p>
-            <a:r>
-              <a:rPr lang="ko-KR" altLang="en-US" sz="1600" dirty="0"/>
-              <a:t>목표 </a:t>
-            </a:r>
-            <a:r>
-              <a:rPr lang="en-US" altLang="ko-KR" sz="1600" dirty="0"/>
-              <a:t>: G</a:t>
-            </a:r>
-            <a:endParaRPr lang="ko-KR" altLang="en-US" sz="1600" dirty="0"/>
-          </a:p>
-        </p:txBody>
-      </p:sp>
-      <p:sp>
-        <p:nvSpPr>
           <p:cNvPr id="3" name="TextBox 2">
             <a:extLst>
               <a:ext uri="{FF2B5EF4-FFF2-40B4-BE49-F238E27FC236}">
@@ -18420,274 +18474,940 @@
       </p:grpSpPr>
       <p:sp>
         <p:nvSpPr>
-          <p:cNvPr id="2" name="제목 1">
-            <a:extLst>
-              <a:ext uri="{FF2B5EF4-FFF2-40B4-BE49-F238E27FC236}">
-                <a16:creationId xmlns:a16="http://schemas.microsoft.com/office/drawing/2014/main" id="{0FE3B1B1-7879-4850-A147-373FD0252F4D}"/>
-              </a:ext>
-            </a:extLst>
-          </p:cNvPr>
-          <p:cNvSpPr txBox="1">
-            <a:spLocks/>
-          </p:cNvSpPr>
-          <p:nvPr/>
-        </p:nvSpPr>
-        <p:spPr>
-          <a:xfrm>
-            <a:off x="0" y="82296"/>
-            <a:ext cx="11204448" cy="2340864"/>
+          <p:cNvPr id="5" name="사각형: 둥근 모서리 4">
+            <a:extLst>
+              <a:ext uri="{FF2B5EF4-FFF2-40B4-BE49-F238E27FC236}">
+                <a16:creationId xmlns:a16="http://schemas.microsoft.com/office/drawing/2014/main" id="{69498B60-F722-458A-A8FE-DE5F1A6FF6BA}"/>
+              </a:ext>
+            </a:extLst>
+          </p:cNvPr>
+          <p:cNvSpPr/>
+          <p:nvPr/>
+        </p:nvSpPr>
+        <p:spPr>
+          <a:xfrm>
+            <a:off x="905256" y="128016"/>
+            <a:ext cx="3447288" cy="694944"/>
+          </a:xfrm>
+          <a:prstGeom prst="roundRect">
+            <a:avLst/>
+          </a:prstGeom>
+          <a:solidFill>
+            <a:schemeClr val="accent1">
+              <a:lumMod val="20000"/>
+              <a:lumOff val="80000"/>
+            </a:schemeClr>
+          </a:solidFill>
+        </p:spPr>
+        <p:style>
+          <a:lnRef idx="2">
+            <a:schemeClr val="accent1">
+              <a:shade val="50000"/>
+            </a:schemeClr>
+          </a:lnRef>
+          <a:fillRef idx="1">
+            <a:schemeClr val="accent1"/>
+          </a:fillRef>
+          <a:effectRef idx="0">
+            <a:schemeClr val="accent1"/>
+          </a:effectRef>
+          <a:fontRef idx="minor">
+            <a:schemeClr val="lt1"/>
+          </a:fontRef>
+        </p:style>
+        <p:txBody>
+          <a:bodyPr rtlCol="0" anchor="ctr"/>
+          <a:lstStyle/>
+          <a:p>
+            <a:pPr algn="ctr"/>
+            <a:r>
+              <a:rPr lang="en-US" altLang="ko-KR"/>
+              <a:t>Father(Kim,Kim2)</a:t>
+            </a:r>
+            <a:endParaRPr lang="ko-KR" altLang="en-US"/>
+          </a:p>
+        </p:txBody>
+      </p:sp>
+      <p:sp>
+        <p:nvSpPr>
+          <p:cNvPr id="6" name="사각형: 둥근 모서리 5">
+            <a:extLst>
+              <a:ext uri="{FF2B5EF4-FFF2-40B4-BE49-F238E27FC236}">
+                <a16:creationId xmlns:a16="http://schemas.microsoft.com/office/drawing/2014/main" id="{80B31F1F-F09B-457D-8878-1EA939B8AFF6}"/>
+              </a:ext>
+            </a:extLst>
+          </p:cNvPr>
+          <p:cNvSpPr/>
+          <p:nvPr/>
+        </p:nvSpPr>
+        <p:spPr>
+          <a:xfrm>
+            <a:off x="6582158" y="128016"/>
+            <a:ext cx="4375402" cy="694944"/>
+          </a:xfrm>
+          <a:prstGeom prst="roundRect">
+            <a:avLst/>
+          </a:prstGeom>
+          <a:solidFill>
+            <a:schemeClr val="accent1">
+              <a:lumMod val="20000"/>
+              <a:lumOff val="80000"/>
+            </a:schemeClr>
+          </a:solidFill>
+        </p:spPr>
+        <p:style>
+          <a:lnRef idx="2">
+            <a:schemeClr val="accent1">
+              <a:shade val="50000"/>
+            </a:schemeClr>
+          </a:lnRef>
+          <a:fillRef idx="1">
+            <a:schemeClr val="accent1"/>
+          </a:fillRef>
+          <a:effectRef idx="0">
+            <a:schemeClr val="accent1"/>
+          </a:effectRef>
+          <a:fontRef idx="minor">
+            <a:schemeClr val="lt1"/>
+          </a:fontRef>
+        </p:style>
+        <p:txBody>
+          <a:bodyPr rtlCol="0" anchor="ctr"/>
+          <a:lstStyle/>
+          <a:p>
+            <a:pPr algn="ctr"/>
+            <a:r>
+              <a:rPr lang="ko-KR" altLang="en-US" dirty="0"/>
+              <a:t>￢</a:t>
+            </a:r>
+            <a:r>
+              <a:rPr lang="en-US" altLang="ko-KR" dirty="0"/>
+              <a:t>Father(Kim,Kim2) </a:t>
+            </a:r>
+            <a:r>
+              <a:rPr lang="ko-KR" altLang="en-US" dirty="0"/>
+              <a:t>∨</a:t>
+            </a:r>
+            <a:r>
+              <a:rPr lang="en-US" altLang="ko-KR" dirty="0"/>
+              <a:t> Parent(Kim,Kim2)</a:t>
+            </a:r>
+            <a:endParaRPr lang="ko-KR" altLang="en-US" dirty="0"/>
+          </a:p>
+        </p:txBody>
+      </p:sp>
+      <p:sp>
+        <p:nvSpPr>
+          <p:cNvPr id="12" name="사각형: 둥근 모서리 11">
+            <a:extLst>
+              <a:ext uri="{FF2B5EF4-FFF2-40B4-BE49-F238E27FC236}">
+                <a16:creationId xmlns:a16="http://schemas.microsoft.com/office/drawing/2014/main" id="{29D80693-7BBB-4EF9-885A-3CFEB4757E7E}"/>
+              </a:ext>
+            </a:extLst>
+          </p:cNvPr>
+          <p:cNvSpPr/>
+          <p:nvPr/>
+        </p:nvSpPr>
+        <p:spPr>
+          <a:xfrm>
+            <a:off x="950786" y="1842516"/>
+            <a:ext cx="3813048" cy="694944"/>
+          </a:xfrm>
+          <a:prstGeom prst="roundRect">
+            <a:avLst/>
+          </a:prstGeom>
+          <a:solidFill>
+            <a:schemeClr val="accent1">
+              <a:lumMod val="20000"/>
+              <a:lumOff val="80000"/>
+            </a:schemeClr>
+          </a:solidFill>
+        </p:spPr>
+        <p:style>
+          <a:lnRef idx="2">
+            <a:schemeClr val="accent1">
+              <a:shade val="50000"/>
+            </a:schemeClr>
+          </a:lnRef>
+          <a:fillRef idx="1">
+            <a:schemeClr val="accent1"/>
+          </a:fillRef>
+          <a:effectRef idx="0">
+            <a:schemeClr val="accent1"/>
+          </a:effectRef>
+          <a:fontRef idx="minor">
+            <a:schemeClr val="lt1"/>
+          </a:fontRef>
+        </p:style>
+        <p:txBody>
+          <a:bodyPr rtlCol="0" anchor="ctr"/>
+          <a:lstStyle/>
+          <a:p>
+            <a:pPr algn="ctr"/>
+            <a:r>
+              <a:rPr lang="en-US" altLang="ko-KR"/>
+              <a:t>Parent(Kim,Kim2)</a:t>
+            </a:r>
+            <a:endParaRPr lang="ko-KR" altLang="en-US"/>
+          </a:p>
+        </p:txBody>
+      </p:sp>
+      <p:sp>
+        <p:nvSpPr>
+          <p:cNvPr id="13" name="TextBox 12">
+            <a:extLst>
+              <a:ext uri="{FF2B5EF4-FFF2-40B4-BE49-F238E27FC236}">
+                <a16:creationId xmlns:a16="http://schemas.microsoft.com/office/drawing/2014/main" id="{1899FDB9-5D97-4E13-AB45-6A48B749C9C3}"/>
+              </a:ext>
+            </a:extLst>
+          </p:cNvPr>
+          <p:cNvSpPr txBox="1"/>
+          <p:nvPr/>
+        </p:nvSpPr>
+        <p:spPr>
+          <a:xfrm>
+            <a:off x="442723" y="1042416"/>
+            <a:ext cx="2103120" cy="646331"/>
           </a:xfrm>
           <a:prstGeom prst="rect">
             <a:avLst/>
           </a:prstGeom>
-        </p:spPr>
-        <p:txBody>
-          <a:bodyPr>
-            <a:noAutofit/>
+          <a:noFill/>
+        </p:spPr>
+        <p:txBody>
+          <a:bodyPr wrap="square" rtlCol="0">
+            <a:spAutoFit/>
           </a:bodyPr>
-          <a:lstStyle>
-            <a:lvl1pPr algn="l" defTabSz="914400" rtl="0" eaLnBrk="1" latinLnBrk="1" hangingPunct="1">
-              <a:lnSpc>
-                <a:spcPct val="90000"/>
-              </a:lnSpc>
-              <a:spcBef>
-                <a:spcPct val="0"/>
-              </a:spcBef>
-              <a:buNone/>
-              <a:defRPr sz="4400" kern="1200">
-                <a:solidFill>
-                  <a:schemeClr val="tx1"/>
-                </a:solidFill>
-                <a:latin typeface="+mj-lt"/>
-                <a:ea typeface="+mj-ea"/>
-                <a:cs typeface="+mj-cs"/>
-              </a:defRPr>
-            </a:lvl1pPr>
-          </a:lstStyle>
-          <a:p>
-            <a:r>
-              <a:rPr lang="en-US" altLang="ko-KR" sz="1800" dirty="0"/>
-              <a:t>P.164 </a:t>
-            </a:r>
-            <a:r>
-              <a:rPr lang="ko-KR" altLang="en-US" sz="1800" dirty="0"/>
-              <a:t>논리융합 실습 </a:t>
-            </a:r>
-            <a:r>
-              <a:rPr lang="en-US" altLang="ko-KR" sz="1800" dirty="0"/>
-              <a:t>#3</a:t>
-            </a:r>
-            <a:br>
-              <a:rPr lang="en-US" altLang="ko-KR" sz="1800" dirty="0"/>
-            </a:br>
-            <a:r>
-              <a:rPr lang="en-US" altLang="ko-KR" sz="1800" dirty="0"/>
-              <a:t> </a:t>
-            </a:r>
-            <a:r>
-              <a:rPr lang="ko-KR" altLang="en-US" sz="1800" dirty="0"/>
-              <a:t>① </a:t>
-            </a:r>
-            <a:r>
-              <a:rPr lang="en-US" altLang="ko-KR" sz="1800" dirty="0"/>
-              <a:t>ON(</a:t>
-            </a:r>
-            <a:r>
-              <a:rPr lang="en-US" altLang="ko-KR" sz="1800" dirty="0" err="1"/>
-              <a:t>x,y</a:t>
-            </a:r>
-            <a:r>
-              <a:rPr lang="en-US" altLang="ko-KR" sz="1800" dirty="0"/>
-              <a:t>) </a:t>
-            </a:r>
-            <a:r>
-              <a:rPr lang="ko-KR" altLang="en-US" sz="1800" dirty="0"/>
-              <a:t>∨ </a:t>
-            </a:r>
-            <a:r>
-              <a:rPr lang="en-US" altLang="ko-KR" sz="1800" dirty="0"/>
-              <a:t>ABOVE(</a:t>
-            </a:r>
-            <a:r>
-              <a:rPr lang="en-US" altLang="ko-KR" sz="1800" dirty="0" err="1"/>
-              <a:t>x,y</a:t>
-            </a:r>
-            <a:r>
-              <a:rPr lang="en-US" altLang="ko-KR" sz="1800" dirty="0"/>
-              <a:t>)</a:t>
-            </a:r>
-            <a:br>
-              <a:rPr lang="en-US" altLang="ko-KR" sz="1800" dirty="0"/>
-            </a:br>
-            <a:r>
-              <a:rPr lang="en-US" altLang="ko-KR" sz="1800" dirty="0"/>
-              <a:t> </a:t>
-            </a:r>
-            <a:r>
-              <a:rPr lang="ko-KR" altLang="en-US" sz="1800" dirty="0"/>
-              <a:t>② ￢</a:t>
-            </a:r>
-            <a:r>
-              <a:rPr lang="en-US" altLang="ko-KR" sz="1800" dirty="0"/>
-              <a:t>ABOVE(</a:t>
-            </a:r>
-            <a:r>
-              <a:rPr lang="en-US" altLang="ko-KR" sz="1800" dirty="0" err="1"/>
-              <a:t>a,b</a:t>
-            </a:r>
-            <a:r>
-              <a:rPr lang="en-US" altLang="ko-KR" sz="1800" dirty="0"/>
-              <a:t>) </a:t>
-            </a:r>
-            <a:r>
-              <a:rPr lang="ko-KR" altLang="en-US" sz="1800" dirty="0"/>
-              <a:t>∨ ￢</a:t>
-            </a:r>
-            <a:r>
-              <a:rPr lang="en-US" altLang="ko-KR" sz="1800" dirty="0"/>
-              <a:t>ABOVE(</a:t>
-            </a:r>
-            <a:r>
-              <a:rPr lang="en-US" altLang="ko-KR" sz="1800" dirty="0" err="1"/>
-              <a:t>b,c</a:t>
-            </a:r>
-            <a:r>
-              <a:rPr lang="en-US" altLang="ko-KR" sz="1800" dirty="0"/>
-              <a:t>)</a:t>
-            </a:r>
-            <a:r>
-              <a:rPr lang="ko-KR" altLang="en-US" sz="1800" dirty="0"/>
-              <a:t> ∨ </a:t>
-            </a:r>
-            <a:r>
-              <a:rPr lang="en-US" altLang="ko-KR" sz="1800" dirty="0"/>
-              <a:t>ABOVE(</a:t>
-            </a:r>
-            <a:r>
-              <a:rPr lang="en-US" altLang="ko-KR" sz="1800" dirty="0" err="1"/>
-              <a:t>a,c</a:t>
-            </a:r>
-            <a:r>
-              <a:rPr lang="en-US" altLang="ko-KR" sz="1800" dirty="0"/>
-              <a:t>) </a:t>
-            </a:r>
-          </a:p>
-          <a:p>
-            <a:r>
-              <a:rPr lang="en-US" altLang="ko-KR" sz="1800" dirty="0"/>
-              <a:t> </a:t>
-            </a:r>
-            <a:r>
-              <a:rPr lang="ko-KR" altLang="en-US" sz="1800" dirty="0"/>
-              <a:t>③ </a:t>
-            </a:r>
-            <a:r>
-              <a:rPr lang="en-US" altLang="ko-KR" sz="1800" dirty="0"/>
-              <a:t>ON(A,B)</a:t>
-            </a:r>
-          </a:p>
-          <a:p>
-            <a:r>
-              <a:rPr lang="en-US" altLang="ko-KR" sz="1800" dirty="0"/>
-              <a:t> </a:t>
-            </a:r>
-            <a:r>
-              <a:rPr lang="ko-KR" altLang="en-US" sz="1800" dirty="0"/>
-              <a:t>④ </a:t>
-            </a:r>
-            <a:r>
-              <a:rPr lang="en-US" altLang="ko-KR" sz="1800" dirty="0"/>
-              <a:t>ON(</a:t>
-            </a:r>
-            <a:r>
-              <a:rPr lang="en-US" altLang="ko-KR" sz="1800" dirty="0" err="1"/>
-              <a:t>B,Table</a:t>
-            </a:r>
-            <a:r>
-              <a:rPr lang="en-US" altLang="ko-KR" sz="1800" dirty="0"/>
-              <a:t>)</a:t>
-            </a:r>
-          </a:p>
-          <a:p>
-            <a:r>
-              <a:rPr lang="en-US" altLang="ko-KR" sz="1800" dirty="0"/>
-              <a:t> </a:t>
-            </a:r>
-            <a:r>
-              <a:rPr lang="ko-KR" altLang="en-US" sz="1800" dirty="0"/>
-              <a:t>⑤ ￢</a:t>
-            </a:r>
-            <a:r>
-              <a:rPr lang="en-US" altLang="ko-KR" sz="1800" dirty="0"/>
-              <a:t>ABOVE(A, Table)</a:t>
-            </a:r>
-          </a:p>
-          <a:p>
-            <a:r>
-              <a:rPr lang="en-US" altLang="ko-KR" sz="1800" dirty="0"/>
-              <a:t> </a:t>
-            </a:r>
-            <a:br>
-              <a:rPr lang="en-US" altLang="ko-KR" sz="1800" dirty="0"/>
-            </a:br>
-            <a:r>
-              <a:rPr lang="ko-KR" altLang="en-US" sz="1800" dirty="0"/>
-              <a:t>위에서 변수 </a:t>
-            </a:r>
-            <a:r>
-              <a:rPr lang="en-US" altLang="ko-KR" sz="1800" dirty="0" err="1"/>
-              <a:t>a,b,x,y</a:t>
-            </a:r>
-            <a:r>
-              <a:rPr lang="ko-KR" altLang="en-US" sz="1800" dirty="0"/>
-              <a:t>를 적절하게 상수로 대체하면 우리는 </a:t>
-            </a:r>
-            <a:r>
-              <a:rPr lang="en-US" altLang="ko-KR" sz="1800" dirty="0"/>
+          <a:lstStyle/>
+          <a:p>
+            <a:r>
+              <a:rPr lang="en-US" altLang="ko-KR" dirty="0"/>
+              <a:t>x=Kim</a:t>
+            </a:r>
+          </a:p>
+          <a:p>
+            <a:r>
+              <a:rPr lang="en-US" altLang="ko-KR" dirty="0"/>
+              <a:t>y=Kim2</a:t>
+            </a:r>
+            <a:r>
+              <a:rPr lang="ko-KR" altLang="en-US" dirty="0"/>
+              <a:t>로 대체함</a:t>
+            </a:r>
+          </a:p>
+        </p:txBody>
+      </p:sp>
+      <p:sp>
+        <p:nvSpPr>
+          <p:cNvPr id="16" name="사각형: 둥근 모서리 15">
+            <a:extLst>
+              <a:ext uri="{FF2B5EF4-FFF2-40B4-BE49-F238E27FC236}">
+                <a16:creationId xmlns:a16="http://schemas.microsoft.com/office/drawing/2014/main" id="{668A6DE7-3AB4-4DF1-AF5D-5BFF15CA204F}"/>
+              </a:ext>
+            </a:extLst>
+          </p:cNvPr>
+          <p:cNvSpPr/>
+          <p:nvPr/>
+        </p:nvSpPr>
+        <p:spPr>
+          <a:xfrm>
+            <a:off x="5833111" y="1805940"/>
+            <a:ext cx="5873496" cy="704088"/>
+          </a:xfrm>
+          <a:prstGeom prst="roundRect">
+            <a:avLst/>
+          </a:prstGeom>
+          <a:solidFill>
+            <a:schemeClr val="accent1">
+              <a:lumMod val="20000"/>
+              <a:lumOff val="80000"/>
+            </a:schemeClr>
+          </a:solidFill>
+        </p:spPr>
+        <p:style>
+          <a:lnRef idx="2">
+            <a:schemeClr val="accent1">
+              <a:shade val="50000"/>
+            </a:schemeClr>
+          </a:lnRef>
+          <a:fillRef idx="1">
+            <a:schemeClr val="accent1"/>
+          </a:fillRef>
+          <a:effectRef idx="0">
+            <a:schemeClr val="accent1"/>
+          </a:effectRef>
+          <a:fontRef idx="minor">
+            <a:schemeClr val="lt1"/>
+          </a:fontRef>
+        </p:style>
+        <p:txBody>
+          <a:bodyPr rtlCol="0" anchor="ctr"/>
+          <a:lstStyle/>
+          <a:p>
+            <a:pPr algn="ctr"/>
+            <a:r>
+              <a:rPr lang="ko-KR" altLang="en-US" dirty="0"/>
+              <a:t>￢</a:t>
+            </a:r>
+            <a:r>
+              <a:rPr lang="en-US" altLang="ko-KR" dirty="0"/>
+              <a:t>Parent(Kim,Kim2)</a:t>
+            </a:r>
+            <a:r>
+              <a:rPr lang="ko-KR" altLang="en-US" dirty="0"/>
+              <a:t> ∨ ￢</a:t>
+            </a:r>
+            <a:r>
+              <a:rPr lang="en-US" altLang="ko-KR" dirty="0"/>
+              <a:t>Alive(Kim) </a:t>
+            </a:r>
+            <a:r>
+              <a:rPr lang="ko-KR" altLang="en-US" dirty="0"/>
+              <a:t>∨</a:t>
+            </a:r>
+            <a:r>
+              <a:rPr lang="en-US" altLang="ko-KR" dirty="0"/>
+              <a:t> Older(Kim,Kim2)</a:t>
+            </a:r>
+            <a:endParaRPr lang="ko-KR" altLang="en-US" dirty="0"/>
+          </a:p>
+        </p:txBody>
+      </p:sp>
+      <p:sp>
+        <p:nvSpPr>
+          <p:cNvPr id="19" name="사각형: 둥근 모서리 18">
+            <a:extLst>
+              <a:ext uri="{FF2B5EF4-FFF2-40B4-BE49-F238E27FC236}">
+                <a16:creationId xmlns:a16="http://schemas.microsoft.com/office/drawing/2014/main" id="{01832B5C-699D-4108-894D-13CB677F12DF}"/>
+              </a:ext>
+            </a:extLst>
+          </p:cNvPr>
+          <p:cNvSpPr/>
+          <p:nvPr/>
+        </p:nvSpPr>
+        <p:spPr>
+          <a:xfrm>
+            <a:off x="1575436" y="3259837"/>
+            <a:ext cx="4017644" cy="704088"/>
+          </a:xfrm>
+          <a:prstGeom prst="roundRect">
+            <a:avLst/>
+          </a:prstGeom>
+          <a:solidFill>
+            <a:schemeClr val="accent1">
+              <a:lumMod val="20000"/>
+              <a:lumOff val="80000"/>
+            </a:schemeClr>
+          </a:solidFill>
+        </p:spPr>
+        <p:style>
+          <a:lnRef idx="2">
+            <a:schemeClr val="accent1">
+              <a:shade val="50000"/>
+            </a:schemeClr>
+          </a:lnRef>
+          <a:fillRef idx="1">
+            <a:schemeClr val="accent1"/>
+          </a:fillRef>
+          <a:effectRef idx="0">
+            <a:schemeClr val="accent1"/>
+          </a:effectRef>
+          <a:fontRef idx="minor">
+            <a:schemeClr val="lt1"/>
+          </a:fontRef>
+        </p:style>
+        <p:txBody>
+          <a:bodyPr rtlCol="0" anchor="ctr"/>
+          <a:lstStyle/>
+          <a:p>
+            <a:pPr algn="ctr"/>
+            <a:r>
+              <a:rPr lang="ko-KR" altLang="en-US" dirty="0"/>
+              <a:t>￢</a:t>
+            </a:r>
+            <a:r>
+              <a:rPr lang="en-US" altLang="ko-KR" dirty="0"/>
+              <a:t>Alive(Kim) </a:t>
+            </a:r>
+            <a:r>
+              <a:rPr lang="ko-KR" altLang="en-US" dirty="0"/>
+              <a:t>∨</a:t>
+            </a:r>
+            <a:r>
+              <a:rPr lang="en-US" altLang="ko-KR" dirty="0"/>
+              <a:t> Older(Kim,Kim2)</a:t>
+            </a:r>
+            <a:endParaRPr lang="ko-KR" altLang="en-US" dirty="0"/>
+          </a:p>
+        </p:txBody>
+      </p:sp>
+      <p:sp>
+        <p:nvSpPr>
+          <p:cNvPr id="20" name="사각형: 둥근 모서리 19">
+            <a:extLst>
+              <a:ext uri="{FF2B5EF4-FFF2-40B4-BE49-F238E27FC236}">
+                <a16:creationId xmlns:a16="http://schemas.microsoft.com/office/drawing/2014/main" id="{2BC99A7A-BDA2-4FF7-98E3-33EC35357865}"/>
+              </a:ext>
+            </a:extLst>
+          </p:cNvPr>
+          <p:cNvSpPr/>
+          <p:nvPr/>
+        </p:nvSpPr>
+        <p:spPr>
+          <a:xfrm>
+            <a:off x="6598922" y="3259837"/>
+            <a:ext cx="4017644" cy="704088"/>
+          </a:xfrm>
+          <a:prstGeom prst="roundRect">
+            <a:avLst/>
+          </a:prstGeom>
+          <a:solidFill>
+            <a:schemeClr val="accent1">
+              <a:lumMod val="20000"/>
+              <a:lumOff val="80000"/>
+            </a:schemeClr>
+          </a:solidFill>
+        </p:spPr>
+        <p:style>
+          <a:lnRef idx="2">
+            <a:schemeClr val="accent1">
+              <a:shade val="50000"/>
+            </a:schemeClr>
+          </a:lnRef>
+          <a:fillRef idx="1">
+            <a:schemeClr val="accent1"/>
+          </a:fillRef>
+          <a:effectRef idx="0">
+            <a:schemeClr val="accent1"/>
+          </a:effectRef>
+          <a:fontRef idx="minor">
+            <a:schemeClr val="lt1"/>
+          </a:fontRef>
+        </p:style>
+        <p:txBody>
+          <a:bodyPr rtlCol="0" anchor="ctr"/>
+          <a:lstStyle/>
+          <a:p>
+            <a:pPr algn="ctr"/>
+            <a:r>
+              <a:rPr lang="en-US" altLang="ko-KR" dirty="0"/>
+              <a:t>Alive(Kim)</a:t>
+            </a:r>
+            <a:endParaRPr lang="ko-KR" altLang="en-US" dirty="0"/>
+          </a:p>
+        </p:txBody>
+      </p:sp>
+      <p:cxnSp>
+        <p:nvCxnSpPr>
+          <p:cNvPr id="22" name="직선 화살표 연결선 21">
+            <a:extLst>
+              <a:ext uri="{FF2B5EF4-FFF2-40B4-BE49-F238E27FC236}">
+                <a16:creationId xmlns:a16="http://schemas.microsoft.com/office/drawing/2014/main" id="{529EABD6-E03C-4CBE-A58D-7C079EAC96AD}"/>
+              </a:ext>
+            </a:extLst>
+          </p:cNvPr>
+          <p:cNvCxnSpPr>
+            <a:stCxn id="5" idx="2"/>
+            <a:endCxn id="12" idx="0"/>
+          </p:cNvCxnSpPr>
+          <p:nvPr/>
+        </p:nvCxnSpPr>
+        <p:spPr>
+          <a:xfrm>
+            <a:off x="2628900" y="822960"/>
+            <a:ext cx="228410" cy="1019556"/>
+          </a:xfrm>
+          <a:prstGeom prst="straightConnector1">
+            <a:avLst/>
+          </a:prstGeom>
+          <a:ln>
+            <a:tailEnd type="triangle"/>
+          </a:ln>
+        </p:spPr>
+        <p:style>
+          <a:lnRef idx="1">
+            <a:schemeClr val="accent1"/>
+          </a:lnRef>
+          <a:fillRef idx="0">
+            <a:schemeClr val="accent1"/>
+          </a:fillRef>
+          <a:effectRef idx="0">
+            <a:schemeClr val="accent1"/>
+          </a:effectRef>
+          <a:fontRef idx="minor">
+            <a:schemeClr val="tx1"/>
+          </a:fontRef>
+        </p:style>
+      </p:cxnSp>
+      <p:cxnSp>
+        <p:nvCxnSpPr>
+          <p:cNvPr id="24" name="직선 화살표 연결선 23">
+            <a:extLst>
+              <a:ext uri="{FF2B5EF4-FFF2-40B4-BE49-F238E27FC236}">
+                <a16:creationId xmlns:a16="http://schemas.microsoft.com/office/drawing/2014/main" id="{B62B695A-CA40-4342-847A-C2A782E1CAF1}"/>
+              </a:ext>
+            </a:extLst>
+          </p:cNvPr>
+          <p:cNvCxnSpPr>
+            <a:stCxn id="6" idx="2"/>
+            <a:endCxn id="12" idx="0"/>
+          </p:cNvCxnSpPr>
+          <p:nvPr/>
+        </p:nvCxnSpPr>
+        <p:spPr>
+          <a:xfrm flipH="1">
+            <a:off x="2857310" y="822960"/>
+            <a:ext cx="5912549" cy="1019556"/>
+          </a:xfrm>
+          <a:prstGeom prst="straightConnector1">
+            <a:avLst/>
+          </a:prstGeom>
+          <a:ln>
+            <a:tailEnd type="triangle"/>
+          </a:ln>
+        </p:spPr>
+        <p:style>
+          <a:lnRef idx="1">
+            <a:schemeClr val="accent1"/>
+          </a:lnRef>
+          <a:fillRef idx="0">
+            <a:schemeClr val="accent1"/>
+          </a:fillRef>
+          <a:effectRef idx="0">
+            <a:schemeClr val="accent1"/>
+          </a:effectRef>
+          <a:fontRef idx="minor">
+            <a:schemeClr val="tx1"/>
+          </a:fontRef>
+        </p:style>
+      </p:cxnSp>
+      <p:cxnSp>
+        <p:nvCxnSpPr>
+          <p:cNvPr id="26" name="직선 화살표 연결선 25">
+            <a:extLst>
+              <a:ext uri="{FF2B5EF4-FFF2-40B4-BE49-F238E27FC236}">
+                <a16:creationId xmlns:a16="http://schemas.microsoft.com/office/drawing/2014/main" id="{C4D79A84-1391-47E1-9D75-D367CA938452}"/>
+              </a:ext>
+            </a:extLst>
+          </p:cNvPr>
+          <p:cNvCxnSpPr>
+            <a:stCxn id="12" idx="2"/>
+            <a:endCxn id="19" idx="0"/>
+          </p:cNvCxnSpPr>
+          <p:nvPr/>
+        </p:nvCxnSpPr>
+        <p:spPr>
+          <a:xfrm>
+            <a:off x="2857310" y="2537460"/>
+            <a:ext cx="726948" cy="722377"/>
+          </a:xfrm>
+          <a:prstGeom prst="straightConnector1">
+            <a:avLst/>
+          </a:prstGeom>
+          <a:ln>
+            <a:tailEnd type="triangle"/>
+          </a:ln>
+        </p:spPr>
+        <p:style>
+          <a:lnRef idx="1">
+            <a:schemeClr val="accent1"/>
+          </a:lnRef>
+          <a:fillRef idx="0">
+            <a:schemeClr val="accent1"/>
+          </a:fillRef>
+          <a:effectRef idx="0">
+            <a:schemeClr val="accent1"/>
+          </a:effectRef>
+          <a:fontRef idx="minor">
+            <a:schemeClr val="tx1"/>
+          </a:fontRef>
+        </p:style>
+      </p:cxnSp>
+      <p:cxnSp>
+        <p:nvCxnSpPr>
+          <p:cNvPr id="28" name="직선 화살표 연결선 27">
+            <a:extLst>
+              <a:ext uri="{FF2B5EF4-FFF2-40B4-BE49-F238E27FC236}">
+                <a16:creationId xmlns:a16="http://schemas.microsoft.com/office/drawing/2014/main" id="{0BDBE056-2BE1-4830-B46A-5791A0C0DE59}"/>
+              </a:ext>
+            </a:extLst>
+          </p:cNvPr>
+          <p:cNvCxnSpPr>
+            <a:cxnSpLocks/>
+            <a:stCxn id="16" idx="2"/>
+            <a:endCxn id="19" idx="0"/>
+          </p:cNvCxnSpPr>
+          <p:nvPr/>
+        </p:nvCxnSpPr>
+        <p:spPr>
+          <a:xfrm flipH="1">
+            <a:off x="3584258" y="2510028"/>
+            <a:ext cx="5185601" cy="749809"/>
+          </a:xfrm>
+          <a:prstGeom prst="straightConnector1">
+            <a:avLst/>
+          </a:prstGeom>
+          <a:ln>
+            <a:tailEnd type="triangle"/>
+          </a:ln>
+        </p:spPr>
+        <p:style>
+          <a:lnRef idx="1">
+            <a:schemeClr val="accent1"/>
+          </a:lnRef>
+          <a:fillRef idx="0">
+            <a:schemeClr val="accent1"/>
+          </a:fillRef>
+          <a:effectRef idx="0">
+            <a:schemeClr val="accent1"/>
+          </a:effectRef>
+          <a:fontRef idx="minor">
+            <a:schemeClr val="tx1"/>
+          </a:fontRef>
+        </p:style>
+      </p:cxnSp>
+      <p:sp>
+        <p:nvSpPr>
+          <p:cNvPr id="30" name="사각형: 둥근 모서리 29">
+            <a:extLst>
+              <a:ext uri="{FF2B5EF4-FFF2-40B4-BE49-F238E27FC236}">
+                <a16:creationId xmlns:a16="http://schemas.microsoft.com/office/drawing/2014/main" id="{9365C85F-4CBB-45E2-8595-2DC44FBAAB74}"/>
+              </a:ext>
+            </a:extLst>
+          </p:cNvPr>
+          <p:cNvSpPr/>
+          <p:nvPr/>
+        </p:nvSpPr>
+        <p:spPr>
+          <a:xfrm>
+            <a:off x="1575436" y="4334258"/>
+            <a:ext cx="4017644" cy="704088"/>
+          </a:xfrm>
+          <a:prstGeom prst="roundRect">
+            <a:avLst/>
+          </a:prstGeom>
+          <a:solidFill>
+            <a:schemeClr val="accent1">
+              <a:lumMod val="20000"/>
+              <a:lumOff val="80000"/>
+            </a:schemeClr>
+          </a:solidFill>
+        </p:spPr>
+        <p:style>
+          <a:lnRef idx="2">
+            <a:schemeClr val="accent1">
+              <a:shade val="50000"/>
+            </a:schemeClr>
+          </a:lnRef>
+          <a:fillRef idx="1">
+            <a:schemeClr val="accent1"/>
+          </a:fillRef>
+          <a:effectRef idx="0">
+            <a:schemeClr val="accent1"/>
+          </a:effectRef>
+          <a:fontRef idx="minor">
+            <a:schemeClr val="lt1"/>
+          </a:fontRef>
+        </p:style>
+        <p:txBody>
+          <a:bodyPr rtlCol="0" anchor="ctr"/>
+          <a:lstStyle/>
+          <a:p>
+            <a:pPr algn="ctr"/>
+            <a:r>
+              <a:rPr lang="en-US" altLang="ko-KR" dirty="0"/>
+              <a:t>Older(Kim,Kim2)</a:t>
+            </a:r>
+            <a:endParaRPr lang="ko-KR" altLang="en-US" dirty="0"/>
+          </a:p>
+        </p:txBody>
+      </p:sp>
+      <p:sp>
+        <p:nvSpPr>
+          <p:cNvPr id="31" name="사각형: 둥근 모서리 30">
+            <a:extLst>
+              <a:ext uri="{FF2B5EF4-FFF2-40B4-BE49-F238E27FC236}">
+                <a16:creationId xmlns:a16="http://schemas.microsoft.com/office/drawing/2014/main" id="{A976475E-D3C6-441C-9EFB-3E913A8DEEF4}"/>
+              </a:ext>
+            </a:extLst>
+          </p:cNvPr>
+          <p:cNvSpPr/>
+          <p:nvPr/>
+        </p:nvSpPr>
+        <p:spPr>
+          <a:xfrm>
+            <a:off x="6318124" y="4334258"/>
+            <a:ext cx="4017644" cy="704088"/>
+          </a:xfrm>
+          <a:prstGeom prst="roundRect">
+            <a:avLst/>
+          </a:prstGeom>
+          <a:solidFill>
+            <a:schemeClr val="accent1">
+              <a:lumMod val="20000"/>
+              <a:lumOff val="80000"/>
+            </a:schemeClr>
+          </a:solidFill>
+        </p:spPr>
+        <p:style>
+          <a:lnRef idx="2">
+            <a:schemeClr val="accent1">
+              <a:shade val="50000"/>
+            </a:schemeClr>
+          </a:lnRef>
+          <a:fillRef idx="1">
+            <a:schemeClr val="accent1"/>
+          </a:fillRef>
+          <a:effectRef idx="0">
+            <a:schemeClr val="accent1"/>
+          </a:effectRef>
+          <a:fontRef idx="minor">
+            <a:schemeClr val="lt1"/>
+          </a:fontRef>
+        </p:style>
+        <p:txBody>
+          <a:bodyPr rtlCol="0" anchor="ctr"/>
+          <a:lstStyle/>
+          <a:p>
+            <a:pPr algn="ctr"/>
+            <a:r>
+              <a:rPr lang="ko-KR" altLang="en-US" dirty="0"/>
+              <a:t>￢</a:t>
+            </a:r>
+            <a:r>
+              <a:rPr lang="en-US" altLang="ko-KR" dirty="0"/>
+              <a:t>Older(Kim,Kim2)</a:t>
+            </a:r>
+            <a:endParaRPr lang="ko-KR" altLang="en-US" dirty="0"/>
+          </a:p>
+        </p:txBody>
+      </p:sp>
+      <p:sp>
+        <p:nvSpPr>
+          <p:cNvPr id="32" name="사각형: 둥근 모서리 31">
+            <a:extLst>
+              <a:ext uri="{FF2B5EF4-FFF2-40B4-BE49-F238E27FC236}">
+                <a16:creationId xmlns:a16="http://schemas.microsoft.com/office/drawing/2014/main" id="{A9BEA26B-0579-4270-947C-4DEEC3F1BB0C}"/>
+              </a:ext>
+            </a:extLst>
+          </p:cNvPr>
+          <p:cNvSpPr/>
+          <p:nvPr/>
+        </p:nvSpPr>
+        <p:spPr>
+          <a:xfrm>
+            <a:off x="4617720" y="5538218"/>
+            <a:ext cx="2692622" cy="704088"/>
+          </a:xfrm>
+          <a:prstGeom prst="roundRect">
+            <a:avLst/>
+          </a:prstGeom>
+          <a:solidFill>
+            <a:schemeClr val="accent1">
+              <a:lumMod val="20000"/>
+              <a:lumOff val="80000"/>
+            </a:schemeClr>
+          </a:solidFill>
+        </p:spPr>
+        <p:style>
+          <a:lnRef idx="2">
+            <a:schemeClr val="accent1">
+              <a:shade val="50000"/>
+            </a:schemeClr>
+          </a:lnRef>
+          <a:fillRef idx="1">
+            <a:schemeClr val="accent1"/>
+          </a:fillRef>
+          <a:effectRef idx="0">
+            <a:schemeClr val="accent1"/>
+          </a:effectRef>
+          <a:fontRef idx="minor">
+            <a:schemeClr val="lt1"/>
+          </a:fontRef>
+        </p:style>
+        <p:txBody>
+          <a:bodyPr rtlCol="0" anchor="ctr"/>
+          <a:lstStyle/>
+          <a:p>
+            <a:pPr algn="ctr"/>
+            <a:r>
+              <a:rPr lang="en-US" altLang="ko-KR" dirty="0"/>
               <a:t>NIL</a:t>
             </a:r>
-            <a:r>
-              <a:rPr lang="ko-KR" altLang="en-US" sz="1800" dirty="0"/>
-              <a:t>을 만들 수 있고 따라서 </a:t>
-            </a:r>
-            <a:r>
-              <a:rPr lang="en-US" altLang="ko-KR" sz="1800" dirty="0"/>
-              <a:t>ABOVE(</a:t>
-            </a:r>
-            <a:r>
-              <a:rPr lang="en-US" altLang="ko-KR" sz="1800" dirty="0" err="1"/>
-              <a:t>A,Table</a:t>
-            </a:r>
-            <a:r>
-              <a:rPr lang="en-US" altLang="ko-KR" sz="1800" dirty="0"/>
-              <a:t>)</a:t>
-            </a:r>
-            <a:r>
-              <a:rPr lang="ko-KR" altLang="en-US" sz="1800" dirty="0"/>
-              <a:t>을</a:t>
-            </a:r>
-            <a:endParaRPr lang="en-US" altLang="ko-KR" sz="1800" dirty="0"/>
-          </a:p>
-          <a:p>
-            <a:r>
-              <a:rPr lang="ko-KR" altLang="en-US" sz="1800" dirty="0"/>
-              <a:t>증명할 수 있다</a:t>
-            </a:r>
-            <a:r>
-              <a:rPr lang="en-US" altLang="ko-KR" sz="1800" dirty="0"/>
-              <a:t>. </a:t>
-            </a:r>
-            <a:br>
-              <a:rPr lang="en-US" altLang="ko-KR" sz="1800" dirty="0"/>
-            </a:br>
-            <a:endParaRPr lang="ko-KR" altLang="en-US" sz="1800" dirty="0"/>
-          </a:p>
-        </p:txBody>
-      </p:sp>
+            <a:endParaRPr lang="ko-KR" altLang="en-US" dirty="0"/>
+          </a:p>
+        </p:txBody>
+      </p:sp>
+      <p:cxnSp>
+        <p:nvCxnSpPr>
+          <p:cNvPr id="34" name="직선 화살표 연결선 33">
+            <a:extLst>
+              <a:ext uri="{FF2B5EF4-FFF2-40B4-BE49-F238E27FC236}">
+                <a16:creationId xmlns:a16="http://schemas.microsoft.com/office/drawing/2014/main" id="{05E4A477-8011-4E17-A953-1F38F5D6E733}"/>
+              </a:ext>
+            </a:extLst>
+          </p:cNvPr>
+          <p:cNvCxnSpPr>
+            <a:stCxn id="19" idx="2"/>
+            <a:endCxn id="30" idx="0"/>
+          </p:cNvCxnSpPr>
+          <p:nvPr/>
+        </p:nvCxnSpPr>
+        <p:spPr>
+          <a:xfrm>
+            <a:off x="3584258" y="3963925"/>
+            <a:ext cx="0" cy="370333"/>
+          </a:xfrm>
+          <a:prstGeom prst="straightConnector1">
+            <a:avLst/>
+          </a:prstGeom>
+          <a:ln>
+            <a:tailEnd type="triangle"/>
+          </a:ln>
+        </p:spPr>
+        <p:style>
+          <a:lnRef idx="1">
+            <a:schemeClr val="accent1"/>
+          </a:lnRef>
+          <a:fillRef idx="0">
+            <a:schemeClr val="accent1"/>
+          </a:fillRef>
+          <a:effectRef idx="0">
+            <a:schemeClr val="accent1"/>
+          </a:effectRef>
+          <a:fontRef idx="minor">
+            <a:schemeClr val="tx1"/>
+          </a:fontRef>
+        </p:style>
+      </p:cxnSp>
+      <p:cxnSp>
+        <p:nvCxnSpPr>
+          <p:cNvPr id="36" name="직선 화살표 연결선 35">
+            <a:extLst>
+              <a:ext uri="{FF2B5EF4-FFF2-40B4-BE49-F238E27FC236}">
+                <a16:creationId xmlns:a16="http://schemas.microsoft.com/office/drawing/2014/main" id="{3D7BD525-025B-4F18-9FB8-4F47C6350BD5}"/>
+              </a:ext>
+            </a:extLst>
+          </p:cNvPr>
+          <p:cNvCxnSpPr>
+            <a:stCxn id="20" idx="2"/>
+          </p:cNvCxnSpPr>
+          <p:nvPr/>
+        </p:nvCxnSpPr>
+        <p:spPr>
+          <a:xfrm flipH="1">
+            <a:off x="3584258" y="3963925"/>
+            <a:ext cx="5023486" cy="306323"/>
+          </a:xfrm>
+          <a:prstGeom prst="straightConnector1">
+            <a:avLst/>
+          </a:prstGeom>
+          <a:ln>
+            <a:tailEnd type="triangle"/>
+          </a:ln>
+        </p:spPr>
+        <p:style>
+          <a:lnRef idx="1">
+            <a:schemeClr val="accent1"/>
+          </a:lnRef>
+          <a:fillRef idx="0">
+            <a:schemeClr val="accent1"/>
+          </a:fillRef>
+          <a:effectRef idx="0">
+            <a:schemeClr val="accent1"/>
+          </a:effectRef>
+          <a:fontRef idx="minor">
+            <a:schemeClr val="tx1"/>
+          </a:fontRef>
+        </p:style>
+      </p:cxnSp>
+      <p:cxnSp>
+        <p:nvCxnSpPr>
+          <p:cNvPr id="38" name="직선 화살표 연결선 37">
+            <a:extLst>
+              <a:ext uri="{FF2B5EF4-FFF2-40B4-BE49-F238E27FC236}">
+                <a16:creationId xmlns:a16="http://schemas.microsoft.com/office/drawing/2014/main" id="{E6006326-F77F-4569-A6F2-AF7AFACA7729}"/>
+              </a:ext>
+            </a:extLst>
+          </p:cNvPr>
+          <p:cNvCxnSpPr>
+            <a:stCxn id="30" idx="2"/>
+            <a:endCxn id="32" idx="0"/>
+          </p:cNvCxnSpPr>
+          <p:nvPr/>
+        </p:nvCxnSpPr>
+        <p:spPr>
+          <a:xfrm>
+            <a:off x="3584258" y="5038346"/>
+            <a:ext cx="2379773" cy="499872"/>
+          </a:xfrm>
+          <a:prstGeom prst="straightConnector1">
+            <a:avLst/>
+          </a:prstGeom>
+          <a:ln>
+            <a:tailEnd type="triangle"/>
+          </a:ln>
+        </p:spPr>
+        <p:style>
+          <a:lnRef idx="1">
+            <a:schemeClr val="accent1"/>
+          </a:lnRef>
+          <a:fillRef idx="0">
+            <a:schemeClr val="accent1"/>
+          </a:fillRef>
+          <a:effectRef idx="0">
+            <a:schemeClr val="accent1"/>
+          </a:effectRef>
+          <a:fontRef idx="minor">
+            <a:schemeClr val="tx1"/>
+          </a:fontRef>
+        </p:style>
+      </p:cxnSp>
+      <p:cxnSp>
+        <p:nvCxnSpPr>
+          <p:cNvPr id="40" name="직선 화살표 연결선 39">
+            <a:extLst>
+              <a:ext uri="{FF2B5EF4-FFF2-40B4-BE49-F238E27FC236}">
+                <a16:creationId xmlns:a16="http://schemas.microsoft.com/office/drawing/2014/main" id="{63A9A32D-CEBC-4EFF-BE33-8E50F1B038E7}"/>
+              </a:ext>
+            </a:extLst>
+          </p:cNvPr>
+          <p:cNvCxnSpPr>
+            <a:stCxn id="31" idx="2"/>
+          </p:cNvCxnSpPr>
+          <p:nvPr/>
+        </p:nvCxnSpPr>
+        <p:spPr>
+          <a:xfrm flipH="1">
+            <a:off x="5964031" y="5038346"/>
+            <a:ext cx="2362915" cy="499872"/>
+          </a:xfrm>
+          <a:prstGeom prst="straightConnector1">
+            <a:avLst/>
+          </a:prstGeom>
+          <a:ln>
+            <a:tailEnd type="triangle"/>
+          </a:ln>
+        </p:spPr>
+        <p:style>
+          <a:lnRef idx="1">
+            <a:schemeClr val="accent1"/>
+          </a:lnRef>
+          <a:fillRef idx="0">
+            <a:schemeClr val="accent1"/>
+          </a:fillRef>
+          <a:effectRef idx="0">
+            <a:schemeClr val="accent1"/>
+          </a:effectRef>
+          <a:fontRef idx="minor">
+            <a:schemeClr val="tx1"/>
+          </a:fontRef>
+        </p:style>
+      </p:cxnSp>
     </p:spTree>
     <p:extLst>
       <p:ext uri="{BB962C8B-B14F-4D97-AF65-F5344CB8AC3E}">
-        <p14:creationId xmlns:p14="http://schemas.microsoft.com/office/powerpoint/2010/main" val="1449201195"/>
+        <p14:creationId xmlns:p14="http://schemas.microsoft.com/office/powerpoint/2010/main" val="1597183887"/>
       </p:ext>
     </p:extLst>
   </p:cSld>
@@ -18716,1168 +19436,274 @@
       </p:grpSpPr>
       <p:sp>
         <p:nvSpPr>
-          <p:cNvPr id="3" name="사각형: 둥근 모서리 2">
-            <a:extLst>
-              <a:ext uri="{FF2B5EF4-FFF2-40B4-BE49-F238E27FC236}">
-                <a16:creationId xmlns:a16="http://schemas.microsoft.com/office/drawing/2014/main" id="{DEF2F9C9-3462-4BCF-AE99-CB4FC7509170}"/>
-              </a:ext>
-            </a:extLst>
-          </p:cNvPr>
-          <p:cNvSpPr/>
-          <p:nvPr/>
-        </p:nvSpPr>
-        <p:spPr>
-          <a:xfrm>
-            <a:off x="758952" y="210312"/>
-            <a:ext cx="2450592" cy="521208"/>
-          </a:xfrm>
-          <a:prstGeom prst="roundRect">
-            <a:avLst/>
-          </a:prstGeom>
-          <a:solidFill>
-            <a:schemeClr val="accent1">
-              <a:lumMod val="20000"/>
-              <a:lumOff val="80000"/>
-            </a:schemeClr>
-          </a:solidFill>
-        </p:spPr>
-        <p:style>
-          <a:lnRef idx="2">
-            <a:schemeClr val="accent1">
-              <a:shade val="50000"/>
-            </a:schemeClr>
-          </a:lnRef>
-          <a:fillRef idx="1">
-            <a:schemeClr val="accent1"/>
-          </a:fillRef>
-          <a:effectRef idx="0">
-            <a:schemeClr val="accent1"/>
-          </a:effectRef>
-          <a:fontRef idx="minor">
-            <a:schemeClr val="lt1"/>
-          </a:fontRef>
-        </p:style>
-        <p:txBody>
-          <a:bodyPr rtlCol="0" anchor="ctr"/>
-          <a:lstStyle/>
-          <a:p>
-            <a:pPr algn="ctr"/>
-            <a:r>
-              <a:rPr lang="en-US" altLang="ko-KR"/>
-              <a:t>ON(x,y) </a:t>
-            </a:r>
-            <a:r>
-              <a:rPr lang="ko-KR" altLang="en-US"/>
+          <p:cNvPr id="2" name="제목 1">
+            <a:extLst>
+              <a:ext uri="{FF2B5EF4-FFF2-40B4-BE49-F238E27FC236}">
+                <a16:creationId xmlns:a16="http://schemas.microsoft.com/office/drawing/2014/main" id="{0FE3B1B1-7879-4850-A147-373FD0252F4D}"/>
+              </a:ext>
+            </a:extLst>
+          </p:cNvPr>
+          <p:cNvSpPr txBox="1">
+            <a:spLocks/>
+          </p:cNvSpPr>
+          <p:nvPr/>
+        </p:nvSpPr>
+        <p:spPr>
+          <a:xfrm>
+            <a:off x="0" y="82296"/>
+            <a:ext cx="11204448" cy="2340864"/>
+          </a:xfrm>
+          <a:prstGeom prst="rect">
+            <a:avLst/>
+          </a:prstGeom>
+        </p:spPr>
+        <p:txBody>
+          <a:bodyPr>
+            <a:noAutofit/>
+          </a:bodyPr>
+          <a:lstStyle>
+            <a:lvl1pPr algn="l" defTabSz="914400" rtl="0" eaLnBrk="1" latinLnBrk="1" hangingPunct="1">
+              <a:lnSpc>
+                <a:spcPct val="90000"/>
+              </a:lnSpc>
+              <a:spcBef>
+                <a:spcPct val="0"/>
+              </a:spcBef>
+              <a:buNone/>
+              <a:defRPr sz="4400" kern="1200">
+                <a:solidFill>
+                  <a:schemeClr val="tx1"/>
+                </a:solidFill>
+                <a:latin typeface="+mj-lt"/>
+                <a:ea typeface="+mj-ea"/>
+                <a:cs typeface="+mj-cs"/>
+              </a:defRPr>
+            </a:lvl1pPr>
+          </a:lstStyle>
+          <a:p>
+            <a:r>
+              <a:rPr lang="en-US" altLang="ko-KR" sz="1800" dirty="0"/>
+              <a:t>P.164 </a:t>
+            </a:r>
+            <a:r>
+              <a:rPr lang="ko-KR" altLang="en-US" sz="1800" dirty="0"/>
+              <a:t>논리융합 실습 </a:t>
+            </a:r>
+            <a:r>
+              <a:rPr lang="en-US" altLang="ko-KR" sz="1800" dirty="0"/>
+              <a:t>#3</a:t>
+            </a:r>
+            <a:br>
+              <a:rPr lang="en-US" altLang="ko-KR" sz="1800" dirty="0"/>
+            </a:br>
+            <a:r>
+              <a:rPr lang="en-US" altLang="ko-KR" sz="1800" dirty="0"/>
+              <a:t> </a:t>
+            </a:r>
+            <a:r>
+              <a:rPr lang="ko-KR" altLang="en-US" sz="1800" dirty="0"/>
+              <a:t>① </a:t>
+            </a:r>
+            <a:r>
+              <a:rPr lang="en-US" altLang="ko-KR" sz="1800" dirty="0"/>
+              <a:t>ON(</a:t>
+            </a:r>
+            <a:r>
+              <a:rPr lang="en-US" altLang="ko-KR" sz="1800" dirty="0" err="1"/>
+              <a:t>x,y</a:t>
+            </a:r>
+            <a:r>
+              <a:rPr lang="en-US" altLang="ko-KR" sz="1800" dirty="0"/>
+              <a:t>) </a:t>
+            </a:r>
+            <a:r>
+              <a:rPr lang="ko-KR" altLang="en-US" sz="1800" dirty="0"/>
               <a:t>∨ </a:t>
             </a:r>
             <a:r>
-              <a:rPr lang="en-US" altLang="ko-KR"/>
-              <a:t>ABOVE(x,y)</a:t>
-            </a:r>
-            <a:endParaRPr lang="ko-KR" altLang="en-US" dirty="0"/>
-          </a:p>
-        </p:txBody>
-      </p:sp>
-      <p:sp>
-        <p:nvSpPr>
-          <p:cNvPr id="4" name="사각형: 둥근 모서리 3">
-            <a:extLst>
-              <a:ext uri="{FF2B5EF4-FFF2-40B4-BE49-F238E27FC236}">
-                <a16:creationId xmlns:a16="http://schemas.microsoft.com/office/drawing/2014/main" id="{684618CC-35B8-49A9-BC8F-8AE7E83AA397}"/>
-              </a:ext>
-            </a:extLst>
-          </p:cNvPr>
-          <p:cNvSpPr/>
-          <p:nvPr/>
-        </p:nvSpPr>
-        <p:spPr>
-          <a:xfrm>
-            <a:off x="5483352" y="210312"/>
-            <a:ext cx="2450592" cy="521208"/>
-          </a:xfrm>
-          <a:prstGeom prst="roundRect">
-            <a:avLst/>
-          </a:prstGeom>
-          <a:solidFill>
-            <a:schemeClr val="accent1">
-              <a:lumMod val="20000"/>
-              <a:lumOff val="80000"/>
-            </a:schemeClr>
-          </a:solidFill>
-        </p:spPr>
-        <p:style>
-          <a:lnRef idx="2">
-            <a:schemeClr val="accent1">
-              <a:shade val="50000"/>
-            </a:schemeClr>
-          </a:lnRef>
-          <a:fillRef idx="1">
-            <a:schemeClr val="accent1"/>
-          </a:fillRef>
-          <a:effectRef idx="0">
-            <a:schemeClr val="accent1"/>
-          </a:effectRef>
-          <a:fontRef idx="minor">
-            <a:schemeClr val="lt1"/>
-          </a:fontRef>
-        </p:style>
-        <p:txBody>
-          <a:bodyPr rtlCol="0" anchor="ctr"/>
-          <a:lstStyle/>
-          <a:p>
-            <a:pPr algn="ctr"/>
-            <a:r>
-              <a:rPr lang="en-US" altLang="ko-KR"/>
+              <a:rPr lang="en-US" altLang="ko-KR" sz="1800" dirty="0"/>
+              <a:t>ABOVE(</a:t>
+            </a:r>
+            <a:r>
+              <a:rPr lang="en-US" altLang="ko-KR" sz="1800" dirty="0" err="1"/>
+              <a:t>x,y</a:t>
+            </a:r>
+            <a:r>
+              <a:rPr lang="en-US" altLang="ko-KR" sz="1800" dirty="0"/>
+              <a:t>)</a:t>
+            </a:r>
+            <a:br>
+              <a:rPr lang="en-US" altLang="ko-KR" sz="1800" dirty="0"/>
+            </a:br>
+            <a:r>
+              <a:rPr lang="en-US" altLang="ko-KR" sz="1800" dirty="0"/>
+              <a:t> </a:t>
+            </a:r>
+            <a:r>
+              <a:rPr lang="ko-KR" altLang="en-US" sz="1800" dirty="0"/>
+              <a:t>② ￢</a:t>
+            </a:r>
+            <a:r>
+              <a:rPr lang="en-US" altLang="ko-KR" sz="1800" dirty="0"/>
+              <a:t>ABOVE(</a:t>
+            </a:r>
+            <a:r>
+              <a:rPr lang="en-US" altLang="ko-KR" sz="1800" dirty="0" err="1"/>
+              <a:t>a,b</a:t>
+            </a:r>
+            <a:r>
+              <a:rPr lang="en-US" altLang="ko-KR" sz="1800" dirty="0"/>
+              <a:t>) </a:t>
+            </a:r>
+            <a:r>
+              <a:rPr lang="ko-KR" altLang="en-US" sz="1800" dirty="0"/>
+              <a:t>∨ ￢</a:t>
+            </a:r>
+            <a:r>
+              <a:rPr lang="en-US" altLang="ko-KR" sz="1800" dirty="0"/>
+              <a:t>ABOVE(</a:t>
+            </a:r>
+            <a:r>
+              <a:rPr lang="en-US" altLang="ko-KR" sz="1800" dirty="0" err="1"/>
+              <a:t>b,c</a:t>
+            </a:r>
+            <a:r>
+              <a:rPr lang="en-US" altLang="ko-KR" sz="1800" dirty="0"/>
+              <a:t>)</a:t>
+            </a:r>
+            <a:r>
+              <a:rPr lang="ko-KR" altLang="en-US" sz="1800" dirty="0"/>
+              <a:t> ∨ </a:t>
+            </a:r>
+            <a:r>
+              <a:rPr lang="en-US" altLang="ko-KR" sz="1800" dirty="0"/>
+              <a:t>ABOVE(</a:t>
+            </a:r>
+            <a:r>
+              <a:rPr lang="en-US" altLang="ko-KR" sz="1800" dirty="0" err="1"/>
+              <a:t>a,c</a:t>
+            </a:r>
+            <a:r>
+              <a:rPr lang="en-US" altLang="ko-KR" sz="1800" dirty="0"/>
+              <a:t>) </a:t>
+            </a:r>
+          </a:p>
+          <a:p>
+            <a:r>
+              <a:rPr lang="en-US" altLang="ko-KR" sz="1800" dirty="0"/>
+              <a:t> </a:t>
+            </a:r>
+            <a:r>
+              <a:rPr lang="ko-KR" altLang="en-US" sz="1800" dirty="0"/>
+              <a:t>③ </a:t>
+            </a:r>
+            <a:r>
+              <a:rPr lang="en-US" altLang="ko-KR" sz="1800" dirty="0"/>
               <a:t>ON(A,B)</a:t>
             </a:r>
-            <a:endParaRPr lang="en-US" altLang="ko-KR" dirty="0"/>
-          </a:p>
-        </p:txBody>
-      </p:sp>
-      <p:sp>
-        <p:nvSpPr>
-          <p:cNvPr id="5" name="사각형: 둥근 모서리 4">
-            <a:extLst>
-              <a:ext uri="{FF2B5EF4-FFF2-40B4-BE49-F238E27FC236}">
-                <a16:creationId xmlns:a16="http://schemas.microsoft.com/office/drawing/2014/main" id="{9255626D-656D-41A7-824C-C50ACF9AE1DB}"/>
-              </a:ext>
-            </a:extLst>
-          </p:cNvPr>
-          <p:cNvSpPr/>
-          <p:nvPr/>
-        </p:nvSpPr>
-        <p:spPr>
-          <a:xfrm>
-            <a:off x="2203704" y="1155192"/>
-            <a:ext cx="2450592" cy="521208"/>
-          </a:xfrm>
-          <a:prstGeom prst="roundRect">
-            <a:avLst/>
-          </a:prstGeom>
-          <a:solidFill>
-            <a:schemeClr val="accent1">
-              <a:lumMod val="20000"/>
-              <a:lumOff val="80000"/>
-            </a:schemeClr>
-          </a:solidFill>
-        </p:spPr>
-        <p:style>
-          <a:lnRef idx="2">
-            <a:schemeClr val="accent1">
-              <a:shade val="50000"/>
-            </a:schemeClr>
-          </a:lnRef>
-          <a:fillRef idx="1">
-            <a:schemeClr val="accent1"/>
-          </a:fillRef>
-          <a:effectRef idx="0">
-            <a:schemeClr val="accent1"/>
-          </a:effectRef>
-          <a:fontRef idx="minor">
-            <a:schemeClr val="lt1"/>
-          </a:fontRef>
-        </p:style>
-        <p:txBody>
-          <a:bodyPr rtlCol="0" anchor="ctr"/>
-          <a:lstStyle/>
-          <a:p>
-            <a:pPr algn="ctr"/>
-            <a:r>
-              <a:rPr lang="en-US" altLang="ko-KR" dirty="0"/>
+          </a:p>
+          <a:p>
+            <a:r>
+              <a:rPr lang="en-US" altLang="ko-KR" sz="1800" dirty="0"/>
+              <a:t> </a:t>
+            </a:r>
+            <a:r>
+              <a:rPr lang="ko-KR" altLang="en-US" sz="1800" dirty="0"/>
+              <a:t>④ </a:t>
+            </a:r>
+            <a:r>
+              <a:rPr lang="en-US" altLang="ko-KR" sz="1800" dirty="0"/>
+              <a:t>ON(</a:t>
+            </a:r>
+            <a:r>
+              <a:rPr lang="en-US" altLang="ko-KR" sz="1800" dirty="0" err="1"/>
+              <a:t>B,Table</a:t>
+            </a:r>
+            <a:r>
+              <a:rPr lang="en-US" altLang="ko-KR" sz="1800" dirty="0"/>
+              <a:t>)</a:t>
+            </a:r>
+          </a:p>
+          <a:p>
+            <a:r>
+              <a:rPr lang="en-US" altLang="ko-KR" sz="1800" dirty="0"/>
+              <a:t> </a:t>
+            </a:r>
+            <a:r>
+              <a:rPr lang="ko-KR" altLang="en-US" sz="1800" dirty="0"/>
+              <a:t>⑤ ￢</a:t>
+            </a:r>
+            <a:r>
+              <a:rPr lang="en-US" altLang="ko-KR" sz="1800" dirty="0"/>
+              <a:t>ABOVE(A, Table)</a:t>
+            </a:r>
+          </a:p>
+          <a:p>
+            <a:r>
+              <a:rPr lang="en-US" altLang="ko-KR" sz="1800" dirty="0"/>
+              <a:t> </a:t>
+            </a:r>
+            <a:br>
+              <a:rPr lang="en-US" altLang="ko-KR" sz="1800" dirty="0"/>
+            </a:br>
+            <a:r>
+              <a:rPr lang="ko-KR" altLang="en-US" sz="1800" dirty="0"/>
+              <a:t>위에서 변수 </a:t>
+            </a:r>
+            <a:r>
+              <a:rPr lang="en-US" altLang="ko-KR" sz="1800" dirty="0" err="1"/>
+              <a:t>a,b,x,y</a:t>
+            </a:r>
+            <a:r>
+              <a:rPr lang="ko-KR" altLang="en-US" sz="1800" dirty="0"/>
+              <a:t>를 적절하게 상수로 대체하면 우리는 </a:t>
+            </a:r>
+            <a:r>
+              <a:rPr lang="en-US" altLang="ko-KR" sz="1800" dirty="0"/>
+              <a:t>NIL</a:t>
+            </a:r>
+            <a:r>
+              <a:rPr lang="ko-KR" altLang="en-US" sz="1800" dirty="0"/>
+              <a:t>을 만들 수 있고 따라서 </a:t>
+            </a:r>
+            <a:r>
+              <a:rPr lang="en-US" altLang="ko-KR" sz="1800" dirty="0"/>
               <a:t>ABOVE(</a:t>
             </a:r>
             <a:r>
-              <a:rPr lang="en-US" altLang="ko-KR" dirty="0" err="1"/>
-              <a:t>x,y</a:t>
-            </a:r>
-            <a:r>
-              <a:rPr lang="en-US" altLang="ko-KR" dirty="0"/>
+              <a:rPr lang="en-US" altLang="ko-KR" sz="1800" dirty="0" err="1"/>
+              <a:t>A,Table</a:t>
+            </a:r>
+            <a:r>
+              <a:rPr lang="en-US" altLang="ko-KR" sz="1800" dirty="0"/>
               <a:t>)</a:t>
             </a:r>
-            <a:endParaRPr lang="ko-KR" altLang="en-US" dirty="0"/>
-          </a:p>
-        </p:txBody>
-      </p:sp>
-      <p:cxnSp>
-        <p:nvCxnSpPr>
-          <p:cNvPr id="7" name="직선 화살표 연결선 6">
-            <a:extLst>
-              <a:ext uri="{FF2B5EF4-FFF2-40B4-BE49-F238E27FC236}">
-                <a16:creationId xmlns:a16="http://schemas.microsoft.com/office/drawing/2014/main" id="{9A6E6966-57F8-4F51-BBEA-C1149394D179}"/>
-              </a:ext>
-            </a:extLst>
-          </p:cNvPr>
-          <p:cNvCxnSpPr>
-            <a:stCxn id="3" idx="2"/>
-            <a:endCxn id="5" idx="0"/>
-          </p:cNvCxnSpPr>
-          <p:nvPr/>
-        </p:nvCxnSpPr>
-        <p:spPr>
-          <a:xfrm>
-            <a:off x="1984248" y="731520"/>
-            <a:ext cx="1444752" cy="423672"/>
-          </a:xfrm>
-          <a:prstGeom prst="straightConnector1">
-            <a:avLst/>
-          </a:prstGeom>
-          <a:ln>
-            <a:tailEnd type="triangle"/>
-          </a:ln>
-        </p:spPr>
-        <p:style>
-          <a:lnRef idx="1">
-            <a:schemeClr val="accent1"/>
-          </a:lnRef>
-          <a:fillRef idx="0">
-            <a:schemeClr val="accent1"/>
-          </a:fillRef>
-          <a:effectRef idx="0">
-            <a:schemeClr val="accent1"/>
-          </a:effectRef>
-          <a:fontRef idx="minor">
-            <a:schemeClr val="tx1"/>
-          </a:fontRef>
-        </p:style>
-      </p:cxnSp>
-      <p:cxnSp>
-        <p:nvCxnSpPr>
-          <p:cNvPr id="9" name="직선 화살표 연결선 8">
-            <a:extLst>
-              <a:ext uri="{FF2B5EF4-FFF2-40B4-BE49-F238E27FC236}">
-                <a16:creationId xmlns:a16="http://schemas.microsoft.com/office/drawing/2014/main" id="{E8583D97-6AEE-495D-870B-EF625EF3EA26}"/>
-              </a:ext>
-            </a:extLst>
-          </p:cNvPr>
-          <p:cNvCxnSpPr>
-            <a:stCxn id="4" idx="2"/>
-            <a:endCxn id="5" idx="0"/>
-          </p:cNvCxnSpPr>
-          <p:nvPr/>
-        </p:nvCxnSpPr>
-        <p:spPr>
-          <a:xfrm flipH="1">
-            <a:off x="3429000" y="731520"/>
-            <a:ext cx="3279648" cy="423672"/>
-          </a:xfrm>
-          <a:prstGeom prst="straightConnector1">
-            <a:avLst/>
-          </a:prstGeom>
-          <a:ln>
-            <a:tailEnd type="triangle"/>
-          </a:ln>
-        </p:spPr>
-        <p:style>
-          <a:lnRef idx="1">
-            <a:schemeClr val="accent1"/>
-          </a:lnRef>
-          <a:fillRef idx="0">
-            <a:schemeClr val="accent1"/>
-          </a:fillRef>
-          <a:effectRef idx="0">
-            <a:schemeClr val="accent1"/>
-          </a:effectRef>
-          <a:fontRef idx="minor">
-            <a:schemeClr val="tx1"/>
-          </a:fontRef>
-        </p:style>
-      </p:cxnSp>
-      <p:sp>
-        <p:nvSpPr>
-          <p:cNvPr id="10" name="TextBox 9">
-            <a:extLst>
-              <a:ext uri="{FF2B5EF4-FFF2-40B4-BE49-F238E27FC236}">
-                <a16:creationId xmlns:a16="http://schemas.microsoft.com/office/drawing/2014/main" id="{E6971FEA-DD97-4F30-ADBB-0242E7943783}"/>
-              </a:ext>
-            </a:extLst>
-          </p:cNvPr>
-          <p:cNvSpPr txBox="1"/>
-          <p:nvPr/>
-        </p:nvSpPr>
-        <p:spPr>
-          <a:xfrm>
-            <a:off x="864108" y="835521"/>
-            <a:ext cx="2240280" cy="276999"/>
-          </a:xfrm>
-          <a:prstGeom prst="rect">
-            <a:avLst/>
-          </a:prstGeom>
-          <a:noFill/>
-        </p:spPr>
-        <p:txBody>
-          <a:bodyPr wrap="square" rtlCol="0">
-            <a:spAutoFit/>
-          </a:bodyPr>
-          <a:lstStyle/>
-          <a:p>
-            <a:r>
-              <a:rPr lang="en-US" altLang="ko-KR" sz="1200" dirty="0"/>
-              <a:t>X=A / y=B</a:t>
-            </a:r>
-            <a:r>
-              <a:rPr lang="ko-KR" altLang="en-US" sz="1200" dirty="0"/>
-              <a:t>로 대체</a:t>
-            </a:r>
-          </a:p>
-        </p:txBody>
-      </p:sp>
-      <p:sp>
-        <p:nvSpPr>
-          <p:cNvPr id="13" name="사각형: 둥근 모서리 12">
-            <a:extLst>
-              <a:ext uri="{FF2B5EF4-FFF2-40B4-BE49-F238E27FC236}">
-                <a16:creationId xmlns:a16="http://schemas.microsoft.com/office/drawing/2014/main" id="{3FA77BA1-1AA1-496C-9E72-460DBD109A89}"/>
-              </a:ext>
-            </a:extLst>
-          </p:cNvPr>
-          <p:cNvSpPr/>
-          <p:nvPr/>
-        </p:nvSpPr>
-        <p:spPr>
-          <a:xfrm>
-            <a:off x="5715000" y="1155192"/>
-            <a:ext cx="4882896" cy="521208"/>
-          </a:xfrm>
-          <a:prstGeom prst="roundRect">
-            <a:avLst/>
-          </a:prstGeom>
-          <a:solidFill>
-            <a:schemeClr val="accent1">
-              <a:lumMod val="20000"/>
-              <a:lumOff val="80000"/>
-            </a:schemeClr>
-          </a:solidFill>
-        </p:spPr>
-        <p:style>
-          <a:lnRef idx="2">
-            <a:schemeClr val="accent1">
-              <a:shade val="50000"/>
-            </a:schemeClr>
-          </a:lnRef>
-          <a:fillRef idx="1">
-            <a:schemeClr val="accent1"/>
-          </a:fillRef>
-          <a:effectRef idx="0">
-            <a:schemeClr val="accent1"/>
-          </a:effectRef>
-          <a:fontRef idx="minor">
-            <a:schemeClr val="lt1"/>
-          </a:fontRef>
-        </p:style>
-        <p:txBody>
-          <a:bodyPr rtlCol="0" anchor="ctr"/>
-          <a:lstStyle/>
-          <a:p>
-            <a:pPr algn="ctr"/>
-            <a:r>
-              <a:rPr lang="ko-KR" altLang="en-US"/>
-              <a:t>￢</a:t>
-            </a:r>
-            <a:r>
-              <a:rPr lang="en-US" altLang="ko-KR"/>
-              <a:t>ABOVE(a,b) </a:t>
-            </a:r>
-            <a:r>
-              <a:rPr lang="ko-KR" altLang="en-US"/>
-              <a:t>∨ ￢</a:t>
-            </a:r>
-            <a:r>
-              <a:rPr lang="en-US" altLang="ko-KR"/>
-              <a:t>ABOVE(b,c)</a:t>
-            </a:r>
-            <a:r>
-              <a:rPr lang="ko-KR" altLang="en-US"/>
-              <a:t> ∨ </a:t>
-            </a:r>
-            <a:r>
-              <a:rPr lang="en-US" altLang="ko-KR"/>
-              <a:t>ABOVE(a,c)</a:t>
-            </a:r>
-            <a:endParaRPr lang="ko-KR" altLang="en-US"/>
-          </a:p>
-        </p:txBody>
-      </p:sp>
-      <p:sp>
-        <p:nvSpPr>
-          <p:cNvPr id="14" name="사각형: 둥근 모서리 13">
-            <a:extLst>
-              <a:ext uri="{FF2B5EF4-FFF2-40B4-BE49-F238E27FC236}">
-                <a16:creationId xmlns:a16="http://schemas.microsoft.com/office/drawing/2014/main" id="{F9F627ED-7CCD-46DE-88B8-DCC1E4C6EB2B}"/>
-              </a:ext>
-            </a:extLst>
-          </p:cNvPr>
-          <p:cNvSpPr/>
-          <p:nvPr/>
-        </p:nvSpPr>
-        <p:spPr>
-          <a:xfrm>
-            <a:off x="1882140" y="2221992"/>
-            <a:ext cx="3093720" cy="521208"/>
-          </a:xfrm>
-          <a:prstGeom prst="roundRect">
-            <a:avLst/>
-          </a:prstGeom>
-          <a:solidFill>
-            <a:schemeClr val="accent1">
-              <a:lumMod val="20000"/>
-              <a:lumOff val="80000"/>
-            </a:schemeClr>
-          </a:solidFill>
-        </p:spPr>
-        <p:style>
-          <a:lnRef idx="2">
-            <a:schemeClr val="accent1">
-              <a:shade val="50000"/>
-            </a:schemeClr>
-          </a:lnRef>
-          <a:fillRef idx="1">
-            <a:schemeClr val="accent1"/>
-          </a:fillRef>
-          <a:effectRef idx="0">
-            <a:schemeClr val="accent1"/>
-          </a:effectRef>
-          <a:fontRef idx="minor">
-            <a:schemeClr val="lt1"/>
-          </a:fontRef>
-        </p:style>
-        <p:txBody>
-          <a:bodyPr rtlCol="0" anchor="ctr"/>
-          <a:lstStyle/>
-          <a:p>
-            <a:pPr algn="ctr"/>
-            <a:r>
-              <a:rPr lang="ko-KR" altLang="en-US" dirty="0"/>
-              <a:t>￢</a:t>
-            </a:r>
-            <a:r>
-              <a:rPr lang="en-US" altLang="ko-KR" dirty="0"/>
-              <a:t>ABOVE(</a:t>
-            </a:r>
-            <a:r>
-              <a:rPr lang="en-US" altLang="ko-KR" dirty="0" err="1"/>
-              <a:t>b,c</a:t>
-            </a:r>
-            <a:r>
-              <a:rPr lang="en-US" altLang="ko-KR" dirty="0"/>
-              <a:t>)</a:t>
-            </a:r>
-            <a:r>
-              <a:rPr lang="ko-KR" altLang="en-US" dirty="0"/>
-              <a:t> ∨ </a:t>
-            </a:r>
-            <a:r>
-              <a:rPr lang="en-US" altLang="ko-KR" dirty="0"/>
-              <a:t>ABOVE(</a:t>
-            </a:r>
-            <a:r>
-              <a:rPr lang="en-US" altLang="ko-KR" dirty="0" err="1"/>
-              <a:t>a,c</a:t>
-            </a:r>
-            <a:r>
-              <a:rPr lang="en-US" altLang="ko-KR" dirty="0"/>
-              <a:t>)</a:t>
-            </a:r>
-            <a:endParaRPr lang="ko-KR" altLang="en-US" dirty="0"/>
-          </a:p>
-        </p:txBody>
-      </p:sp>
-      <p:cxnSp>
-        <p:nvCxnSpPr>
-          <p:cNvPr id="16" name="직선 화살표 연결선 15">
-            <a:extLst>
-              <a:ext uri="{FF2B5EF4-FFF2-40B4-BE49-F238E27FC236}">
-                <a16:creationId xmlns:a16="http://schemas.microsoft.com/office/drawing/2014/main" id="{008E7120-DCF2-422C-B6A1-E114DCC9E04A}"/>
-              </a:ext>
-            </a:extLst>
-          </p:cNvPr>
-          <p:cNvCxnSpPr>
-            <a:stCxn id="5" idx="2"/>
-            <a:endCxn id="14" idx="0"/>
-          </p:cNvCxnSpPr>
-          <p:nvPr/>
-        </p:nvCxnSpPr>
-        <p:spPr>
-          <a:xfrm>
-            <a:off x="3429000" y="1676400"/>
-            <a:ext cx="0" cy="545592"/>
-          </a:xfrm>
-          <a:prstGeom prst="straightConnector1">
-            <a:avLst/>
-          </a:prstGeom>
-          <a:ln>
-            <a:tailEnd type="triangle"/>
-          </a:ln>
-        </p:spPr>
-        <p:style>
-          <a:lnRef idx="1">
-            <a:schemeClr val="accent1"/>
-          </a:lnRef>
-          <a:fillRef idx="0">
-            <a:schemeClr val="accent1"/>
-          </a:fillRef>
-          <a:effectRef idx="0">
-            <a:schemeClr val="accent1"/>
-          </a:effectRef>
-          <a:fontRef idx="minor">
-            <a:schemeClr val="tx1"/>
-          </a:fontRef>
-        </p:style>
-      </p:cxnSp>
-      <p:cxnSp>
-        <p:nvCxnSpPr>
-          <p:cNvPr id="20" name="직선 화살표 연결선 19">
-            <a:extLst>
-              <a:ext uri="{FF2B5EF4-FFF2-40B4-BE49-F238E27FC236}">
-                <a16:creationId xmlns:a16="http://schemas.microsoft.com/office/drawing/2014/main" id="{B495BAA0-1C32-4FE6-AB76-A0C2899F5B25}"/>
-              </a:ext>
-            </a:extLst>
-          </p:cNvPr>
-          <p:cNvCxnSpPr>
-            <a:stCxn id="13" idx="2"/>
-            <a:endCxn id="14" idx="0"/>
-          </p:cNvCxnSpPr>
-          <p:nvPr/>
-        </p:nvCxnSpPr>
-        <p:spPr>
-          <a:xfrm flipH="1">
-            <a:off x="3429000" y="1676400"/>
-            <a:ext cx="4727448" cy="545592"/>
-          </a:xfrm>
-          <a:prstGeom prst="straightConnector1">
-            <a:avLst/>
-          </a:prstGeom>
-          <a:ln>
-            <a:tailEnd type="triangle"/>
-          </a:ln>
-        </p:spPr>
-        <p:style>
-          <a:lnRef idx="1">
-            <a:schemeClr val="accent1"/>
-          </a:lnRef>
-          <a:fillRef idx="0">
-            <a:schemeClr val="accent1"/>
-          </a:fillRef>
-          <a:effectRef idx="0">
-            <a:schemeClr val="accent1"/>
-          </a:effectRef>
-          <a:fontRef idx="minor">
-            <a:schemeClr val="tx1"/>
-          </a:fontRef>
-        </p:style>
-      </p:cxnSp>
-      <p:sp>
-        <p:nvSpPr>
-          <p:cNvPr id="21" name="TextBox 20">
-            <a:extLst>
-              <a:ext uri="{FF2B5EF4-FFF2-40B4-BE49-F238E27FC236}">
-                <a16:creationId xmlns:a16="http://schemas.microsoft.com/office/drawing/2014/main" id="{E9929FBA-29FA-4F10-A412-59ADB28DAB70}"/>
-              </a:ext>
-            </a:extLst>
-          </p:cNvPr>
-          <p:cNvSpPr txBox="1"/>
-          <p:nvPr/>
-        </p:nvSpPr>
-        <p:spPr>
-          <a:xfrm>
-            <a:off x="864108" y="1789360"/>
-            <a:ext cx="2240280" cy="276999"/>
-          </a:xfrm>
-          <a:prstGeom prst="rect">
-            <a:avLst/>
-          </a:prstGeom>
-          <a:noFill/>
-        </p:spPr>
-        <p:txBody>
-          <a:bodyPr wrap="square" rtlCol="0">
-            <a:spAutoFit/>
-          </a:bodyPr>
-          <a:lstStyle/>
-          <a:p>
-            <a:r>
-              <a:rPr lang="en-US" altLang="ko-KR" sz="1200" dirty="0"/>
-              <a:t>X=a / y=b</a:t>
-            </a:r>
-            <a:r>
-              <a:rPr lang="ko-KR" altLang="en-US" sz="1200" dirty="0"/>
-              <a:t>로 대체</a:t>
-            </a:r>
-          </a:p>
-        </p:txBody>
-      </p:sp>
-      <p:sp>
-        <p:nvSpPr>
-          <p:cNvPr id="22" name="사각형: 둥근 모서리 21">
-            <a:extLst>
-              <a:ext uri="{FF2B5EF4-FFF2-40B4-BE49-F238E27FC236}">
-                <a16:creationId xmlns:a16="http://schemas.microsoft.com/office/drawing/2014/main" id="{CB039CD6-4D3E-415A-A1CF-CD1971084CEA}"/>
-              </a:ext>
-            </a:extLst>
-          </p:cNvPr>
-          <p:cNvSpPr/>
-          <p:nvPr/>
-        </p:nvSpPr>
-        <p:spPr>
-          <a:xfrm>
-            <a:off x="5990846" y="2221992"/>
-            <a:ext cx="2450592" cy="521208"/>
-          </a:xfrm>
-          <a:prstGeom prst="roundRect">
-            <a:avLst/>
-          </a:prstGeom>
-          <a:solidFill>
-            <a:schemeClr val="accent1">
-              <a:lumMod val="20000"/>
-              <a:lumOff val="80000"/>
-            </a:schemeClr>
-          </a:solidFill>
-        </p:spPr>
-        <p:style>
-          <a:lnRef idx="2">
-            <a:schemeClr val="accent1">
-              <a:shade val="50000"/>
-            </a:schemeClr>
-          </a:lnRef>
-          <a:fillRef idx="1">
-            <a:schemeClr val="accent1"/>
-          </a:fillRef>
-          <a:effectRef idx="0">
-            <a:schemeClr val="accent1"/>
-          </a:effectRef>
-          <a:fontRef idx="minor">
-            <a:schemeClr val="lt1"/>
-          </a:fontRef>
-        </p:style>
-        <p:txBody>
-          <a:bodyPr rtlCol="0" anchor="ctr"/>
-          <a:lstStyle/>
-          <a:p>
-            <a:pPr algn="ctr"/>
-            <a:r>
-              <a:rPr lang="en-US" altLang="ko-KR" dirty="0"/>
-              <a:t>ABOVE(</a:t>
-            </a:r>
-            <a:r>
-              <a:rPr lang="en-US" altLang="ko-KR" dirty="0" err="1"/>
-              <a:t>x,y</a:t>
-            </a:r>
-            <a:r>
-              <a:rPr lang="en-US" altLang="ko-KR" dirty="0"/>
-              <a:t>)</a:t>
-            </a:r>
-            <a:endParaRPr lang="ko-KR" altLang="en-US" dirty="0"/>
-          </a:p>
-        </p:txBody>
-      </p:sp>
-      <p:sp>
-        <p:nvSpPr>
-          <p:cNvPr id="23" name="사각형: 둥근 모서리 22">
-            <a:extLst>
-              <a:ext uri="{FF2B5EF4-FFF2-40B4-BE49-F238E27FC236}">
-                <a16:creationId xmlns:a16="http://schemas.microsoft.com/office/drawing/2014/main" id="{5EAEABD7-DBFC-4FED-8620-E2925D7B9FC1}"/>
-              </a:ext>
-            </a:extLst>
-          </p:cNvPr>
-          <p:cNvSpPr/>
-          <p:nvPr/>
-        </p:nvSpPr>
-        <p:spPr>
-          <a:xfrm>
-            <a:off x="3104388" y="3288792"/>
-            <a:ext cx="2450592" cy="521208"/>
-          </a:xfrm>
-          <a:prstGeom prst="roundRect">
-            <a:avLst/>
-          </a:prstGeom>
-          <a:solidFill>
-            <a:schemeClr val="accent1">
-              <a:lumMod val="20000"/>
-              <a:lumOff val="80000"/>
-            </a:schemeClr>
-          </a:solidFill>
-        </p:spPr>
-        <p:style>
-          <a:lnRef idx="2">
-            <a:schemeClr val="accent1">
-              <a:shade val="50000"/>
-            </a:schemeClr>
-          </a:lnRef>
-          <a:fillRef idx="1">
-            <a:schemeClr val="accent1"/>
-          </a:fillRef>
-          <a:effectRef idx="0">
-            <a:schemeClr val="accent1"/>
-          </a:effectRef>
-          <a:fontRef idx="minor">
-            <a:schemeClr val="lt1"/>
-          </a:fontRef>
-        </p:style>
-        <p:txBody>
-          <a:bodyPr rtlCol="0" anchor="ctr"/>
-          <a:lstStyle/>
-          <a:p>
-            <a:pPr algn="ctr"/>
-            <a:r>
-              <a:rPr lang="en-US" altLang="ko-KR" dirty="0"/>
-              <a:t>ABOVE(</a:t>
-            </a:r>
-            <a:r>
-              <a:rPr lang="en-US" altLang="ko-KR" dirty="0" err="1"/>
-              <a:t>a,c</a:t>
-            </a:r>
-            <a:r>
-              <a:rPr lang="en-US" altLang="ko-KR" dirty="0"/>
-              <a:t>)</a:t>
-            </a:r>
-            <a:endParaRPr lang="ko-KR" altLang="en-US" dirty="0"/>
-          </a:p>
-        </p:txBody>
-      </p:sp>
-      <p:sp>
-        <p:nvSpPr>
-          <p:cNvPr id="24" name="TextBox 23">
-            <a:extLst>
-              <a:ext uri="{FF2B5EF4-FFF2-40B4-BE49-F238E27FC236}">
-                <a16:creationId xmlns:a16="http://schemas.microsoft.com/office/drawing/2014/main" id="{6E682F44-7182-4BBD-B3A6-D2C8A3557F77}"/>
-              </a:ext>
-            </a:extLst>
-          </p:cNvPr>
-          <p:cNvSpPr txBox="1"/>
-          <p:nvPr/>
-        </p:nvSpPr>
-        <p:spPr>
-          <a:xfrm>
-            <a:off x="864108" y="3011793"/>
-            <a:ext cx="2240280" cy="276999"/>
-          </a:xfrm>
-          <a:prstGeom prst="rect">
-            <a:avLst/>
-          </a:prstGeom>
-          <a:noFill/>
-        </p:spPr>
-        <p:txBody>
-          <a:bodyPr wrap="square" rtlCol="0">
-            <a:spAutoFit/>
-          </a:bodyPr>
-          <a:lstStyle/>
-          <a:p>
-            <a:r>
-              <a:rPr lang="en-US" altLang="ko-KR" sz="1200" dirty="0"/>
-              <a:t>X=b / y=c</a:t>
-            </a:r>
-            <a:r>
-              <a:rPr lang="ko-KR" altLang="en-US" sz="1200" dirty="0"/>
-              <a:t>로 대체</a:t>
-            </a:r>
-          </a:p>
-        </p:txBody>
-      </p:sp>
-      <p:cxnSp>
-        <p:nvCxnSpPr>
-          <p:cNvPr id="26" name="직선 화살표 연결선 25">
-            <a:extLst>
-              <a:ext uri="{FF2B5EF4-FFF2-40B4-BE49-F238E27FC236}">
-                <a16:creationId xmlns:a16="http://schemas.microsoft.com/office/drawing/2014/main" id="{33D1586C-B55D-4F30-A10F-5F533D87788E}"/>
-              </a:ext>
-            </a:extLst>
-          </p:cNvPr>
-          <p:cNvCxnSpPr>
-            <a:stCxn id="14" idx="2"/>
-            <a:endCxn id="23" idx="0"/>
-          </p:cNvCxnSpPr>
-          <p:nvPr/>
-        </p:nvCxnSpPr>
-        <p:spPr>
-          <a:xfrm>
-            <a:off x="3429000" y="2743200"/>
-            <a:ext cx="900684" cy="545592"/>
-          </a:xfrm>
-          <a:prstGeom prst="straightConnector1">
-            <a:avLst/>
-          </a:prstGeom>
-          <a:ln>
-            <a:tailEnd type="triangle"/>
-          </a:ln>
-        </p:spPr>
-        <p:style>
-          <a:lnRef idx="1">
-            <a:schemeClr val="accent1"/>
-          </a:lnRef>
-          <a:fillRef idx="0">
-            <a:schemeClr val="accent1"/>
-          </a:fillRef>
-          <a:effectRef idx="0">
-            <a:schemeClr val="accent1"/>
-          </a:effectRef>
-          <a:fontRef idx="minor">
-            <a:schemeClr val="tx1"/>
-          </a:fontRef>
-        </p:style>
-      </p:cxnSp>
-      <p:cxnSp>
-        <p:nvCxnSpPr>
-          <p:cNvPr id="28" name="직선 화살표 연결선 27">
-            <a:extLst>
-              <a:ext uri="{FF2B5EF4-FFF2-40B4-BE49-F238E27FC236}">
-                <a16:creationId xmlns:a16="http://schemas.microsoft.com/office/drawing/2014/main" id="{ADEF66E7-DFEF-4CF5-8943-8C7A4183D8FB}"/>
-              </a:ext>
-            </a:extLst>
-          </p:cNvPr>
-          <p:cNvCxnSpPr>
-            <a:stCxn id="22" idx="2"/>
-            <a:endCxn id="23" idx="0"/>
-          </p:cNvCxnSpPr>
-          <p:nvPr/>
-        </p:nvCxnSpPr>
-        <p:spPr>
-          <a:xfrm flipH="1">
-            <a:off x="4329684" y="2743200"/>
-            <a:ext cx="2886458" cy="545592"/>
-          </a:xfrm>
-          <a:prstGeom prst="straightConnector1">
-            <a:avLst/>
-          </a:prstGeom>
-          <a:ln>
-            <a:tailEnd type="triangle"/>
-          </a:ln>
-        </p:spPr>
-        <p:style>
-          <a:lnRef idx="1">
-            <a:schemeClr val="accent1"/>
-          </a:lnRef>
-          <a:fillRef idx="0">
-            <a:schemeClr val="accent1"/>
-          </a:fillRef>
-          <a:effectRef idx="0">
-            <a:schemeClr val="accent1"/>
-          </a:effectRef>
-          <a:fontRef idx="minor">
-            <a:schemeClr val="tx1"/>
-          </a:fontRef>
-        </p:style>
-      </p:cxnSp>
-      <p:sp>
-        <p:nvSpPr>
-          <p:cNvPr id="29" name="사각형: 둥근 모서리 28">
-            <a:extLst>
-              <a:ext uri="{FF2B5EF4-FFF2-40B4-BE49-F238E27FC236}">
-                <a16:creationId xmlns:a16="http://schemas.microsoft.com/office/drawing/2014/main" id="{48D8E896-1140-4F8C-A81F-7B68180A0854}"/>
-              </a:ext>
-            </a:extLst>
-          </p:cNvPr>
-          <p:cNvSpPr/>
-          <p:nvPr/>
-        </p:nvSpPr>
-        <p:spPr>
-          <a:xfrm>
-            <a:off x="6365748" y="3288792"/>
-            <a:ext cx="2450592" cy="521208"/>
-          </a:xfrm>
-          <a:prstGeom prst="roundRect">
-            <a:avLst/>
-          </a:prstGeom>
-          <a:solidFill>
-            <a:schemeClr val="accent1">
-              <a:lumMod val="20000"/>
-              <a:lumOff val="80000"/>
-            </a:schemeClr>
-          </a:solidFill>
-        </p:spPr>
-        <p:style>
-          <a:lnRef idx="2">
-            <a:schemeClr val="accent1">
-              <a:shade val="50000"/>
-            </a:schemeClr>
-          </a:lnRef>
-          <a:fillRef idx="1">
-            <a:schemeClr val="accent1"/>
-          </a:fillRef>
-          <a:effectRef idx="0">
-            <a:schemeClr val="accent1"/>
-          </a:effectRef>
-          <a:fontRef idx="minor">
-            <a:schemeClr val="lt1"/>
-          </a:fontRef>
-        </p:style>
-        <p:txBody>
-          <a:bodyPr rtlCol="0" anchor="ctr"/>
-          <a:lstStyle/>
-          <a:p>
-            <a:r>
-              <a:rPr lang="ko-KR" altLang="en-US" dirty="0"/>
-              <a:t>￢</a:t>
-            </a:r>
-            <a:r>
-              <a:rPr lang="en-US" altLang="ko-KR" dirty="0"/>
-              <a:t>ABOVE(A, Table)</a:t>
-            </a:r>
-          </a:p>
-        </p:txBody>
-      </p:sp>
-      <p:sp>
-        <p:nvSpPr>
-          <p:cNvPr id="30" name="사각형: 둥근 모서리 29">
-            <a:extLst>
-              <a:ext uri="{FF2B5EF4-FFF2-40B4-BE49-F238E27FC236}">
-                <a16:creationId xmlns:a16="http://schemas.microsoft.com/office/drawing/2014/main" id="{580A3061-999B-49DE-B831-F821BA3CF6E3}"/>
-              </a:ext>
-            </a:extLst>
-          </p:cNvPr>
-          <p:cNvSpPr/>
-          <p:nvPr/>
-        </p:nvSpPr>
-        <p:spPr>
-          <a:xfrm>
-            <a:off x="4870704" y="4492752"/>
-            <a:ext cx="2450592" cy="521208"/>
-          </a:xfrm>
-          <a:prstGeom prst="roundRect">
-            <a:avLst/>
-          </a:prstGeom>
-          <a:solidFill>
-            <a:schemeClr val="accent1">
-              <a:lumMod val="20000"/>
-              <a:lumOff val="80000"/>
-            </a:schemeClr>
-          </a:solidFill>
-        </p:spPr>
-        <p:style>
-          <a:lnRef idx="2">
-            <a:schemeClr val="accent1">
-              <a:shade val="50000"/>
-            </a:schemeClr>
-          </a:lnRef>
-          <a:fillRef idx="1">
-            <a:schemeClr val="accent1"/>
-          </a:fillRef>
-          <a:effectRef idx="0">
-            <a:schemeClr val="accent1"/>
-          </a:effectRef>
-          <a:fontRef idx="minor">
-            <a:schemeClr val="lt1"/>
-          </a:fontRef>
-        </p:style>
-        <p:txBody>
-          <a:bodyPr rtlCol="0" anchor="ctr"/>
-          <a:lstStyle/>
-          <a:p>
-            <a:pPr algn="ctr"/>
-            <a:r>
-              <a:rPr lang="en-US" altLang="ko-KR" dirty="0"/>
-              <a:t>NIL</a:t>
-            </a:r>
-          </a:p>
-        </p:txBody>
-      </p:sp>
-      <p:cxnSp>
-        <p:nvCxnSpPr>
-          <p:cNvPr id="32" name="직선 화살표 연결선 31">
-            <a:extLst>
-              <a:ext uri="{FF2B5EF4-FFF2-40B4-BE49-F238E27FC236}">
-                <a16:creationId xmlns:a16="http://schemas.microsoft.com/office/drawing/2014/main" id="{DA31255C-36E0-445A-85AD-F7E673471FDF}"/>
-              </a:ext>
-            </a:extLst>
-          </p:cNvPr>
-          <p:cNvCxnSpPr>
-            <a:stCxn id="23" idx="2"/>
-            <a:endCxn id="30" idx="0"/>
-          </p:cNvCxnSpPr>
-          <p:nvPr/>
-        </p:nvCxnSpPr>
-        <p:spPr>
-          <a:xfrm>
-            <a:off x="4329684" y="3810000"/>
-            <a:ext cx="1766316" cy="682752"/>
-          </a:xfrm>
-          <a:prstGeom prst="straightConnector1">
-            <a:avLst/>
-          </a:prstGeom>
-          <a:ln>
-            <a:tailEnd type="triangle"/>
-          </a:ln>
-        </p:spPr>
-        <p:style>
-          <a:lnRef idx="1">
-            <a:schemeClr val="accent1"/>
-          </a:lnRef>
-          <a:fillRef idx="0">
-            <a:schemeClr val="accent1"/>
-          </a:fillRef>
-          <a:effectRef idx="0">
-            <a:schemeClr val="accent1"/>
-          </a:effectRef>
-          <a:fontRef idx="minor">
-            <a:schemeClr val="tx1"/>
-          </a:fontRef>
-        </p:style>
-      </p:cxnSp>
-      <p:cxnSp>
-        <p:nvCxnSpPr>
-          <p:cNvPr id="34" name="직선 화살표 연결선 33">
-            <a:extLst>
-              <a:ext uri="{FF2B5EF4-FFF2-40B4-BE49-F238E27FC236}">
-                <a16:creationId xmlns:a16="http://schemas.microsoft.com/office/drawing/2014/main" id="{4FA75925-23E3-481C-AFA3-35EED4C2DFE8}"/>
-              </a:ext>
-            </a:extLst>
-          </p:cNvPr>
-          <p:cNvCxnSpPr>
-            <a:stCxn id="29" idx="2"/>
-          </p:cNvCxnSpPr>
-          <p:nvPr/>
-        </p:nvCxnSpPr>
-        <p:spPr>
-          <a:xfrm flipH="1">
-            <a:off x="5990846" y="3810000"/>
-            <a:ext cx="1600198" cy="682752"/>
-          </a:xfrm>
-          <a:prstGeom prst="straightConnector1">
-            <a:avLst/>
-          </a:prstGeom>
-          <a:ln>
-            <a:tailEnd type="triangle"/>
-          </a:ln>
-        </p:spPr>
-        <p:style>
-          <a:lnRef idx="1">
-            <a:schemeClr val="accent1"/>
-          </a:lnRef>
-          <a:fillRef idx="0">
-            <a:schemeClr val="accent1"/>
-          </a:fillRef>
-          <a:effectRef idx="0">
-            <a:schemeClr val="accent1"/>
-          </a:effectRef>
-          <a:fontRef idx="minor">
-            <a:schemeClr val="tx1"/>
-          </a:fontRef>
-        </p:style>
-      </p:cxnSp>
-      <p:sp>
-        <p:nvSpPr>
-          <p:cNvPr id="35" name="TextBox 34">
-            <a:extLst>
-              <a:ext uri="{FF2B5EF4-FFF2-40B4-BE49-F238E27FC236}">
-                <a16:creationId xmlns:a16="http://schemas.microsoft.com/office/drawing/2014/main" id="{5FAF8EA6-CAB6-4956-853F-0517D3899F97}"/>
-              </a:ext>
-            </a:extLst>
-          </p:cNvPr>
-          <p:cNvSpPr txBox="1"/>
-          <p:nvPr/>
-        </p:nvSpPr>
-        <p:spPr>
-          <a:xfrm>
-            <a:off x="864108" y="4013060"/>
-            <a:ext cx="2240280" cy="276999"/>
-          </a:xfrm>
-          <a:prstGeom prst="rect">
-            <a:avLst/>
-          </a:prstGeom>
-          <a:noFill/>
-        </p:spPr>
-        <p:txBody>
-          <a:bodyPr wrap="square" rtlCol="0">
-            <a:spAutoFit/>
-          </a:bodyPr>
-          <a:lstStyle/>
-          <a:p>
-            <a:r>
-              <a:rPr lang="en-US" altLang="ko-KR" sz="1200" dirty="0"/>
-              <a:t>a=A / c=Table</a:t>
-            </a:r>
-            <a:r>
-              <a:rPr lang="ko-KR" altLang="en-US" sz="1200" dirty="0"/>
-              <a:t>로 대체</a:t>
-            </a:r>
-          </a:p>
-        </p:txBody>
-      </p:sp>
-      <p:sp>
-        <p:nvSpPr>
-          <p:cNvPr id="36" name="TextBox 35">
-            <a:extLst>
-              <a:ext uri="{FF2B5EF4-FFF2-40B4-BE49-F238E27FC236}">
-                <a16:creationId xmlns:a16="http://schemas.microsoft.com/office/drawing/2014/main" id="{DF4D5180-D0A5-46B2-962E-9B35BF240E69}"/>
-              </a:ext>
-            </a:extLst>
-          </p:cNvPr>
-          <p:cNvSpPr txBox="1"/>
-          <p:nvPr/>
-        </p:nvSpPr>
-        <p:spPr>
-          <a:xfrm>
-            <a:off x="2542032" y="5431536"/>
-            <a:ext cx="7342632" cy="384048"/>
-          </a:xfrm>
-          <a:prstGeom prst="rect">
-            <a:avLst/>
-          </a:prstGeom>
-          <a:noFill/>
-        </p:spPr>
-        <p:txBody>
-          <a:bodyPr wrap="square" rtlCol="0">
-            <a:spAutoFit/>
-          </a:bodyPr>
-          <a:lstStyle/>
-          <a:p>
-            <a:r>
-              <a:rPr lang="ko-KR" altLang="en-US" b="1" i="1" dirty="0">
-                <a:solidFill>
-                  <a:srgbClr val="FF0000"/>
-                </a:solidFill>
-              </a:rPr>
-              <a:t>따라서 </a:t>
-            </a:r>
-            <a:r>
-              <a:rPr lang="en-US" altLang="ko-KR" b="1" i="1" dirty="0">
-                <a:solidFill>
-                  <a:srgbClr val="FF0000"/>
-                </a:solidFill>
-              </a:rPr>
-              <a:t>ABOVE(</a:t>
-            </a:r>
-            <a:r>
-              <a:rPr lang="en-US" altLang="ko-KR" b="1" i="1" dirty="0" err="1">
-                <a:solidFill>
-                  <a:srgbClr val="FF0000"/>
-                </a:solidFill>
-              </a:rPr>
-              <a:t>A,Table</a:t>
-            </a:r>
-            <a:r>
-              <a:rPr lang="en-US" altLang="ko-KR" b="1" i="1" dirty="0">
-                <a:solidFill>
-                  <a:srgbClr val="FF0000"/>
-                </a:solidFill>
-              </a:rPr>
-              <a:t>)</a:t>
-            </a:r>
-            <a:r>
-              <a:rPr lang="ko-KR" altLang="en-US" b="1" i="1" dirty="0">
-                <a:solidFill>
-                  <a:srgbClr val="FF0000"/>
-                </a:solidFill>
-              </a:rPr>
-              <a:t>은 참이다</a:t>
-            </a:r>
-            <a:r>
-              <a:rPr lang="en-US" altLang="ko-KR" b="1" i="1" dirty="0">
-                <a:solidFill>
-                  <a:srgbClr val="FF0000"/>
-                </a:solidFill>
-              </a:rPr>
+            <a:r>
+              <a:rPr lang="ko-KR" altLang="en-US" sz="1800" dirty="0"/>
+              <a:t>을</a:t>
+            </a:r>
+            <a:endParaRPr lang="en-US" altLang="ko-KR" sz="1800" dirty="0"/>
+          </a:p>
+          <a:p>
+            <a:r>
+              <a:rPr lang="ko-KR" altLang="en-US" sz="1800" dirty="0"/>
+              <a:t>증명할 수 있다</a:t>
+            </a:r>
+            <a:r>
+              <a:rPr lang="en-US" altLang="ko-KR" sz="1800" dirty="0"/>
               <a:t>. </a:t>
             </a:r>
-            <a:endParaRPr lang="ko-KR" altLang="en-US" b="1" i="1" dirty="0">
-              <a:solidFill>
-                <a:srgbClr val="FF0000"/>
-              </a:solidFill>
-            </a:endParaRPr>
+            <a:br>
+              <a:rPr lang="en-US" altLang="ko-KR" sz="1800" dirty="0"/>
+            </a:br>
+            <a:endParaRPr lang="ko-KR" altLang="en-US" sz="1800" dirty="0"/>
           </a:p>
         </p:txBody>
       </p:sp>
     </p:spTree>
     <p:extLst>
       <p:ext uri="{BB962C8B-B14F-4D97-AF65-F5344CB8AC3E}">
-        <p14:creationId xmlns:p14="http://schemas.microsoft.com/office/powerpoint/2010/main" val="2602345210"/>
+        <p14:creationId xmlns:p14="http://schemas.microsoft.com/office/powerpoint/2010/main" val="1449201195"/>
       </p:ext>
     </p:extLst>
   </p:cSld>
@@ -19906,10 +19732,10 @@
       </p:grpSpPr>
       <p:sp>
         <p:nvSpPr>
-          <p:cNvPr id="5" name="사각형: 둥근 모서리 4">
-            <a:extLst>
-              <a:ext uri="{FF2B5EF4-FFF2-40B4-BE49-F238E27FC236}">
-                <a16:creationId xmlns:a16="http://schemas.microsoft.com/office/drawing/2014/main" id="{69498B60-F722-458A-A8FE-DE5F1A6FF6BA}"/>
+          <p:cNvPr id="3" name="사각형: 둥근 모서리 2">
+            <a:extLst>
+              <a:ext uri="{FF2B5EF4-FFF2-40B4-BE49-F238E27FC236}">
+                <a16:creationId xmlns:a16="http://schemas.microsoft.com/office/drawing/2014/main" id="{DEF2F9C9-3462-4BCF-AE99-CB4FC7509170}"/>
               </a:ext>
             </a:extLst>
           </p:cNvPr>
@@ -19918,8 +19744,8 @@
         </p:nvSpPr>
         <p:spPr>
           <a:xfrm>
-            <a:off x="905256" y="128016"/>
-            <a:ext cx="3447288" cy="694944"/>
+            <a:off x="758952" y="210312"/>
+            <a:ext cx="2450592" cy="521208"/>
           </a:xfrm>
           <a:prstGeom prst="roundRect">
             <a:avLst/>
@@ -19954,18 +19780,26 @@
             <a:pPr algn="ctr"/>
             <a:r>
               <a:rPr lang="en-US" altLang="ko-KR"/>
-              <a:t>Father(Kim,Kim2)</a:t>
-            </a:r>
-            <a:endParaRPr lang="ko-KR" altLang="en-US"/>
-          </a:p>
-        </p:txBody>
-      </p:sp>
-      <p:sp>
-        <p:nvSpPr>
-          <p:cNvPr id="6" name="사각형: 둥근 모서리 5">
-            <a:extLst>
-              <a:ext uri="{FF2B5EF4-FFF2-40B4-BE49-F238E27FC236}">
-                <a16:creationId xmlns:a16="http://schemas.microsoft.com/office/drawing/2014/main" id="{80B31F1F-F09B-457D-8878-1EA939B8AFF6}"/>
+              <a:t>ON(x,y) </a:t>
+            </a:r>
+            <a:r>
+              <a:rPr lang="ko-KR" altLang="en-US"/>
+              <a:t>∨ </a:t>
+            </a:r>
+            <a:r>
+              <a:rPr lang="en-US" altLang="ko-KR"/>
+              <a:t>ABOVE(x,y)</a:t>
+            </a:r>
+            <a:endParaRPr lang="ko-KR" altLang="en-US" dirty="0"/>
+          </a:p>
+        </p:txBody>
+      </p:sp>
+      <p:sp>
+        <p:nvSpPr>
+          <p:cNvPr id="4" name="사각형: 둥근 모서리 3">
+            <a:extLst>
+              <a:ext uri="{FF2B5EF4-FFF2-40B4-BE49-F238E27FC236}">
+                <a16:creationId xmlns:a16="http://schemas.microsoft.com/office/drawing/2014/main" id="{684618CC-35B8-49A9-BC8F-8AE7E83AA397}"/>
               </a:ext>
             </a:extLst>
           </p:cNvPr>
@@ -19974,8 +19808,8 @@
         </p:nvSpPr>
         <p:spPr>
           <a:xfrm>
-            <a:off x="6582158" y="128016"/>
-            <a:ext cx="4375402" cy="694944"/>
+            <a:off x="5483352" y="210312"/>
+            <a:ext cx="2450592" cy="521208"/>
           </a:xfrm>
           <a:prstGeom prst="roundRect">
             <a:avLst/>
@@ -20009,31 +19843,19 @@
           <a:p>
             <a:pPr algn="ctr"/>
             <a:r>
-              <a:rPr lang="ko-KR" altLang="en-US" dirty="0"/>
-              <a:t>￢</a:t>
-            </a:r>
-            <a:r>
-              <a:rPr lang="en-US" altLang="ko-KR" dirty="0"/>
-              <a:t>Father(Kim,Kim2) </a:t>
-            </a:r>
-            <a:r>
-              <a:rPr lang="ko-KR" altLang="en-US" dirty="0"/>
-              <a:t>∨</a:t>
-            </a:r>
-            <a:r>
-              <a:rPr lang="en-US" altLang="ko-KR" dirty="0"/>
-              <a:t> Parent(Kim,Kim2)</a:t>
-            </a:r>
-            <a:endParaRPr lang="ko-KR" altLang="en-US" dirty="0"/>
-          </a:p>
-        </p:txBody>
-      </p:sp>
-      <p:sp>
-        <p:nvSpPr>
-          <p:cNvPr id="12" name="사각형: 둥근 모서리 11">
-            <a:extLst>
-              <a:ext uri="{FF2B5EF4-FFF2-40B4-BE49-F238E27FC236}">
-                <a16:creationId xmlns:a16="http://schemas.microsoft.com/office/drawing/2014/main" id="{29D80693-7BBB-4EF9-885A-3CFEB4757E7E}"/>
+              <a:rPr lang="en-US" altLang="ko-KR"/>
+              <a:t>ON(A,B)</a:t>
+            </a:r>
+            <a:endParaRPr lang="en-US" altLang="ko-KR" dirty="0"/>
+          </a:p>
+        </p:txBody>
+      </p:sp>
+      <p:sp>
+        <p:nvSpPr>
+          <p:cNvPr id="5" name="사각형: 둥근 모서리 4">
+            <a:extLst>
+              <a:ext uri="{FF2B5EF4-FFF2-40B4-BE49-F238E27FC236}">
+                <a16:creationId xmlns:a16="http://schemas.microsoft.com/office/drawing/2014/main" id="{9255626D-656D-41A7-824C-C50ACF9AE1DB}"/>
               </a:ext>
             </a:extLst>
           </p:cNvPr>
@@ -20042,8 +19864,8 @@
         </p:nvSpPr>
         <p:spPr>
           <a:xfrm>
-            <a:off x="950786" y="1842516"/>
-            <a:ext cx="3813048" cy="694944"/>
+            <a:off x="2203704" y="1155192"/>
+            <a:ext cx="2450592" cy="521208"/>
           </a:xfrm>
           <a:prstGeom prst="roundRect">
             <a:avLst/>
@@ -20077,253 +19899,16 @@
           <a:p>
             <a:pPr algn="ctr"/>
             <a:r>
-              <a:rPr lang="en-US" altLang="ko-KR"/>
-              <a:t>Parent(Kim,Kim2)</a:t>
-            </a:r>
-            <a:endParaRPr lang="ko-KR" altLang="en-US"/>
-          </a:p>
-        </p:txBody>
-      </p:sp>
-      <p:sp>
-        <p:nvSpPr>
-          <p:cNvPr id="13" name="TextBox 12">
-            <a:extLst>
-              <a:ext uri="{FF2B5EF4-FFF2-40B4-BE49-F238E27FC236}">
-                <a16:creationId xmlns:a16="http://schemas.microsoft.com/office/drawing/2014/main" id="{1899FDB9-5D97-4E13-AB45-6A48B749C9C3}"/>
-              </a:ext>
-            </a:extLst>
-          </p:cNvPr>
-          <p:cNvSpPr txBox="1"/>
-          <p:nvPr/>
-        </p:nvSpPr>
-        <p:spPr>
-          <a:xfrm>
-            <a:off x="442723" y="1042416"/>
-            <a:ext cx="2103120" cy="646331"/>
-          </a:xfrm>
-          <a:prstGeom prst="rect">
-            <a:avLst/>
-          </a:prstGeom>
-          <a:noFill/>
-        </p:spPr>
-        <p:txBody>
-          <a:bodyPr wrap="square" rtlCol="0">
-            <a:spAutoFit/>
-          </a:bodyPr>
-          <a:lstStyle/>
-          <a:p>
-            <a:r>
-              <a:rPr lang="en-US" altLang="ko-KR" dirty="0"/>
-              <a:t>x=Kim</a:t>
-            </a:r>
-          </a:p>
-          <a:p>
-            <a:r>
-              <a:rPr lang="en-US" altLang="ko-KR" dirty="0"/>
-              <a:t>y=Kim2</a:t>
-            </a:r>
-            <a:r>
-              <a:rPr lang="ko-KR" altLang="en-US" dirty="0"/>
-              <a:t>로 대체함</a:t>
-            </a:r>
-          </a:p>
-        </p:txBody>
-      </p:sp>
-      <p:sp>
-        <p:nvSpPr>
-          <p:cNvPr id="16" name="사각형: 둥근 모서리 15">
-            <a:extLst>
-              <a:ext uri="{FF2B5EF4-FFF2-40B4-BE49-F238E27FC236}">
-                <a16:creationId xmlns:a16="http://schemas.microsoft.com/office/drawing/2014/main" id="{668A6DE7-3AB4-4DF1-AF5D-5BFF15CA204F}"/>
-              </a:ext>
-            </a:extLst>
-          </p:cNvPr>
-          <p:cNvSpPr/>
-          <p:nvPr/>
-        </p:nvSpPr>
-        <p:spPr>
-          <a:xfrm>
-            <a:off x="5833111" y="1805940"/>
-            <a:ext cx="5873496" cy="704088"/>
-          </a:xfrm>
-          <a:prstGeom prst="roundRect">
-            <a:avLst/>
-          </a:prstGeom>
-          <a:solidFill>
-            <a:schemeClr val="accent1">
-              <a:lumMod val="20000"/>
-              <a:lumOff val="80000"/>
-            </a:schemeClr>
-          </a:solidFill>
-        </p:spPr>
-        <p:style>
-          <a:lnRef idx="2">
-            <a:schemeClr val="accent1">
-              <a:shade val="50000"/>
-            </a:schemeClr>
-          </a:lnRef>
-          <a:fillRef idx="1">
-            <a:schemeClr val="accent1"/>
-          </a:fillRef>
-          <a:effectRef idx="0">
-            <a:schemeClr val="accent1"/>
-          </a:effectRef>
-          <a:fontRef idx="minor">
-            <a:schemeClr val="lt1"/>
-          </a:fontRef>
-        </p:style>
-        <p:txBody>
-          <a:bodyPr rtlCol="0" anchor="ctr"/>
-          <a:lstStyle/>
-          <a:p>
-            <a:pPr algn="ctr"/>
-            <a:r>
-              <a:rPr lang="ko-KR" altLang="en-US" dirty="0"/>
-              <a:t>￢</a:t>
-            </a:r>
-            <a:r>
-              <a:rPr lang="en-US" altLang="ko-KR" dirty="0"/>
-              <a:t>Parent(Kim,Kim2)</a:t>
-            </a:r>
-            <a:r>
-              <a:rPr lang="ko-KR" altLang="en-US" dirty="0"/>
-              <a:t> ∨ ￢</a:t>
-            </a:r>
-            <a:r>
-              <a:rPr lang="en-US" altLang="ko-KR" dirty="0"/>
-              <a:t>Alive(Kim) </a:t>
-            </a:r>
-            <a:r>
-              <a:rPr lang="ko-KR" altLang="en-US" dirty="0"/>
-              <a:t>∨</a:t>
-            </a:r>
-            <a:r>
-              <a:rPr lang="en-US" altLang="ko-KR" dirty="0"/>
-              <a:t> Older(Kim,Kim2)</a:t>
-            </a:r>
-            <a:endParaRPr lang="ko-KR" altLang="en-US" dirty="0"/>
-          </a:p>
-        </p:txBody>
-      </p:sp>
-      <p:sp>
-        <p:nvSpPr>
-          <p:cNvPr id="19" name="사각형: 둥근 모서리 18">
-            <a:extLst>
-              <a:ext uri="{FF2B5EF4-FFF2-40B4-BE49-F238E27FC236}">
-                <a16:creationId xmlns:a16="http://schemas.microsoft.com/office/drawing/2014/main" id="{01832B5C-699D-4108-894D-13CB677F12DF}"/>
-              </a:ext>
-            </a:extLst>
-          </p:cNvPr>
-          <p:cNvSpPr/>
-          <p:nvPr/>
-        </p:nvSpPr>
-        <p:spPr>
-          <a:xfrm>
-            <a:off x="1575436" y="3259837"/>
-            <a:ext cx="4017644" cy="704088"/>
-          </a:xfrm>
-          <a:prstGeom prst="roundRect">
-            <a:avLst/>
-          </a:prstGeom>
-          <a:solidFill>
-            <a:schemeClr val="accent1">
-              <a:lumMod val="20000"/>
-              <a:lumOff val="80000"/>
-            </a:schemeClr>
-          </a:solidFill>
-        </p:spPr>
-        <p:style>
-          <a:lnRef idx="2">
-            <a:schemeClr val="accent1">
-              <a:shade val="50000"/>
-            </a:schemeClr>
-          </a:lnRef>
-          <a:fillRef idx="1">
-            <a:schemeClr val="accent1"/>
-          </a:fillRef>
-          <a:effectRef idx="0">
-            <a:schemeClr val="accent1"/>
-          </a:effectRef>
-          <a:fontRef idx="minor">
-            <a:schemeClr val="lt1"/>
-          </a:fontRef>
-        </p:style>
-        <p:txBody>
-          <a:bodyPr rtlCol="0" anchor="ctr"/>
-          <a:lstStyle/>
-          <a:p>
-            <a:pPr algn="ctr"/>
-            <a:r>
-              <a:rPr lang="ko-KR" altLang="en-US" dirty="0"/>
-              <a:t>￢</a:t>
-            </a:r>
-            <a:r>
-              <a:rPr lang="en-US" altLang="ko-KR" dirty="0"/>
-              <a:t>Alive(Kim) </a:t>
-            </a:r>
-            <a:r>
-              <a:rPr lang="ko-KR" altLang="en-US" dirty="0"/>
-              <a:t>∨</a:t>
-            </a:r>
-            <a:r>
-              <a:rPr lang="en-US" altLang="ko-KR" dirty="0"/>
-              <a:t> Older(Kim,Kim2)</a:t>
-            </a:r>
-            <a:endParaRPr lang="ko-KR" altLang="en-US" dirty="0"/>
-          </a:p>
-        </p:txBody>
-      </p:sp>
-      <p:sp>
-        <p:nvSpPr>
-          <p:cNvPr id="20" name="사각형: 둥근 모서리 19">
-            <a:extLst>
-              <a:ext uri="{FF2B5EF4-FFF2-40B4-BE49-F238E27FC236}">
-                <a16:creationId xmlns:a16="http://schemas.microsoft.com/office/drawing/2014/main" id="{2BC99A7A-BDA2-4FF7-98E3-33EC35357865}"/>
-              </a:ext>
-            </a:extLst>
-          </p:cNvPr>
-          <p:cNvSpPr/>
-          <p:nvPr/>
-        </p:nvSpPr>
-        <p:spPr>
-          <a:xfrm>
-            <a:off x="6598922" y="3259837"/>
-            <a:ext cx="4017644" cy="704088"/>
-          </a:xfrm>
-          <a:prstGeom prst="roundRect">
-            <a:avLst/>
-          </a:prstGeom>
-          <a:solidFill>
-            <a:schemeClr val="accent1">
-              <a:lumMod val="20000"/>
-              <a:lumOff val="80000"/>
-            </a:schemeClr>
-          </a:solidFill>
-        </p:spPr>
-        <p:style>
-          <a:lnRef idx="2">
-            <a:schemeClr val="accent1">
-              <a:shade val="50000"/>
-            </a:schemeClr>
-          </a:lnRef>
-          <a:fillRef idx="1">
-            <a:schemeClr val="accent1"/>
-          </a:fillRef>
-          <a:effectRef idx="0">
-            <a:schemeClr val="accent1"/>
-          </a:effectRef>
-          <a:fontRef idx="minor">
-            <a:schemeClr val="lt1"/>
-          </a:fontRef>
-        </p:style>
-        <p:txBody>
-          <a:bodyPr rtlCol="0" anchor="ctr"/>
-          <a:lstStyle/>
-          <a:p>
-            <a:pPr algn="ctr"/>
-            <a:r>
-              <a:rPr lang="en-US" altLang="ko-KR" dirty="0"/>
-              <a:t>Alive(Kim)</a:t>
+              <a:rPr lang="en-US" altLang="ko-KR" dirty="0"/>
+              <a:t>ABOVE(</a:t>
+            </a:r>
+            <a:r>
+              <a:rPr lang="en-US" altLang="ko-KR" dirty="0" err="1"/>
+              <a:t>x,y</a:t>
+            </a:r>
+            <a:r>
+              <a:rPr lang="en-US" altLang="ko-KR" dirty="0"/>
+              <a:t>)</a:t>
             </a:r>
             <a:endParaRPr lang="ko-KR" altLang="en-US" dirty="0"/>
           </a:p>
@@ -20331,23 +19916,23 @@
       </p:sp>
       <p:cxnSp>
         <p:nvCxnSpPr>
-          <p:cNvPr id="22" name="직선 화살표 연결선 21">
-            <a:extLst>
-              <a:ext uri="{FF2B5EF4-FFF2-40B4-BE49-F238E27FC236}">
-                <a16:creationId xmlns:a16="http://schemas.microsoft.com/office/drawing/2014/main" id="{529EABD6-E03C-4CBE-A58D-7C079EAC96AD}"/>
+          <p:cNvPr id="7" name="직선 화살표 연결선 6">
+            <a:extLst>
+              <a:ext uri="{FF2B5EF4-FFF2-40B4-BE49-F238E27FC236}">
+                <a16:creationId xmlns:a16="http://schemas.microsoft.com/office/drawing/2014/main" id="{9A6E6966-57F8-4F51-BBEA-C1149394D179}"/>
               </a:ext>
             </a:extLst>
           </p:cNvPr>
           <p:cNvCxnSpPr>
-            <a:stCxn id="5" idx="2"/>
-            <a:endCxn id="12" idx="0"/>
+            <a:stCxn id="3" idx="2"/>
+            <a:endCxn id="5" idx="0"/>
           </p:cNvCxnSpPr>
           <p:nvPr/>
         </p:nvCxnSpPr>
         <p:spPr>
           <a:xfrm>
-            <a:off x="2628900" y="822960"/>
-            <a:ext cx="228410" cy="1019556"/>
+            <a:off x="1984248" y="731520"/>
+            <a:ext cx="1444752" cy="423672"/>
           </a:xfrm>
           <a:prstGeom prst="straightConnector1">
             <a:avLst/>
@@ -20373,23 +19958,264 @@
       </p:cxnSp>
       <p:cxnSp>
         <p:nvCxnSpPr>
-          <p:cNvPr id="24" name="직선 화살표 연결선 23">
-            <a:extLst>
-              <a:ext uri="{FF2B5EF4-FFF2-40B4-BE49-F238E27FC236}">
-                <a16:creationId xmlns:a16="http://schemas.microsoft.com/office/drawing/2014/main" id="{B62B695A-CA40-4342-847A-C2A782E1CAF1}"/>
+          <p:cNvPr id="9" name="직선 화살표 연결선 8">
+            <a:extLst>
+              <a:ext uri="{FF2B5EF4-FFF2-40B4-BE49-F238E27FC236}">
+                <a16:creationId xmlns:a16="http://schemas.microsoft.com/office/drawing/2014/main" id="{E8583D97-6AEE-495D-870B-EF625EF3EA26}"/>
               </a:ext>
             </a:extLst>
           </p:cNvPr>
           <p:cNvCxnSpPr>
-            <a:stCxn id="6" idx="2"/>
-            <a:endCxn id="12" idx="0"/>
+            <a:stCxn id="4" idx="2"/>
+            <a:endCxn id="5" idx="0"/>
           </p:cNvCxnSpPr>
           <p:nvPr/>
         </p:nvCxnSpPr>
         <p:spPr>
           <a:xfrm flipH="1">
-            <a:off x="2857310" y="822960"/>
-            <a:ext cx="5912549" cy="1019556"/>
+            <a:off x="3429000" y="731520"/>
+            <a:ext cx="3279648" cy="423672"/>
+          </a:xfrm>
+          <a:prstGeom prst="straightConnector1">
+            <a:avLst/>
+          </a:prstGeom>
+          <a:ln>
+            <a:tailEnd type="triangle"/>
+          </a:ln>
+        </p:spPr>
+        <p:style>
+          <a:lnRef idx="1">
+            <a:schemeClr val="accent1"/>
+          </a:lnRef>
+          <a:fillRef idx="0">
+            <a:schemeClr val="accent1"/>
+          </a:fillRef>
+          <a:effectRef idx="0">
+            <a:schemeClr val="accent1"/>
+          </a:effectRef>
+          <a:fontRef idx="minor">
+            <a:schemeClr val="tx1"/>
+          </a:fontRef>
+        </p:style>
+      </p:cxnSp>
+      <p:sp>
+        <p:nvSpPr>
+          <p:cNvPr id="10" name="TextBox 9">
+            <a:extLst>
+              <a:ext uri="{FF2B5EF4-FFF2-40B4-BE49-F238E27FC236}">
+                <a16:creationId xmlns:a16="http://schemas.microsoft.com/office/drawing/2014/main" id="{E6971FEA-DD97-4F30-ADBB-0242E7943783}"/>
+              </a:ext>
+            </a:extLst>
+          </p:cNvPr>
+          <p:cNvSpPr txBox="1"/>
+          <p:nvPr/>
+        </p:nvSpPr>
+        <p:spPr>
+          <a:xfrm>
+            <a:off x="864108" y="835521"/>
+            <a:ext cx="2240280" cy="276999"/>
+          </a:xfrm>
+          <a:prstGeom prst="rect">
+            <a:avLst/>
+          </a:prstGeom>
+          <a:noFill/>
+        </p:spPr>
+        <p:txBody>
+          <a:bodyPr wrap="square" rtlCol="0">
+            <a:spAutoFit/>
+          </a:bodyPr>
+          <a:lstStyle/>
+          <a:p>
+            <a:r>
+              <a:rPr lang="en-US" altLang="ko-KR" sz="1200" dirty="0"/>
+              <a:t>X=A / y=B</a:t>
+            </a:r>
+            <a:r>
+              <a:rPr lang="ko-KR" altLang="en-US" sz="1200" dirty="0"/>
+              <a:t>로 대체</a:t>
+            </a:r>
+          </a:p>
+        </p:txBody>
+      </p:sp>
+      <p:sp>
+        <p:nvSpPr>
+          <p:cNvPr id="13" name="사각형: 둥근 모서리 12">
+            <a:extLst>
+              <a:ext uri="{FF2B5EF4-FFF2-40B4-BE49-F238E27FC236}">
+                <a16:creationId xmlns:a16="http://schemas.microsoft.com/office/drawing/2014/main" id="{3FA77BA1-1AA1-496C-9E72-460DBD109A89}"/>
+              </a:ext>
+            </a:extLst>
+          </p:cNvPr>
+          <p:cNvSpPr/>
+          <p:nvPr/>
+        </p:nvSpPr>
+        <p:spPr>
+          <a:xfrm>
+            <a:off x="5715000" y="1155192"/>
+            <a:ext cx="4882896" cy="521208"/>
+          </a:xfrm>
+          <a:prstGeom prst="roundRect">
+            <a:avLst/>
+          </a:prstGeom>
+          <a:solidFill>
+            <a:schemeClr val="accent1">
+              <a:lumMod val="20000"/>
+              <a:lumOff val="80000"/>
+            </a:schemeClr>
+          </a:solidFill>
+        </p:spPr>
+        <p:style>
+          <a:lnRef idx="2">
+            <a:schemeClr val="accent1">
+              <a:shade val="50000"/>
+            </a:schemeClr>
+          </a:lnRef>
+          <a:fillRef idx="1">
+            <a:schemeClr val="accent1"/>
+          </a:fillRef>
+          <a:effectRef idx="0">
+            <a:schemeClr val="accent1"/>
+          </a:effectRef>
+          <a:fontRef idx="minor">
+            <a:schemeClr val="lt1"/>
+          </a:fontRef>
+        </p:style>
+        <p:txBody>
+          <a:bodyPr rtlCol="0" anchor="ctr"/>
+          <a:lstStyle/>
+          <a:p>
+            <a:pPr algn="ctr"/>
+            <a:r>
+              <a:rPr lang="ko-KR" altLang="en-US"/>
+              <a:t>￢</a:t>
+            </a:r>
+            <a:r>
+              <a:rPr lang="en-US" altLang="ko-KR"/>
+              <a:t>ABOVE(a,b) </a:t>
+            </a:r>
+            <a:r>
+              <a:rPr lang="ko-KR" altLang="en-US"/>
+              <a:t>∨ ￢</a:t>
+            </a:r>
+            <a:r>
+              <a:rPr lang="en-US" altLang="ko-KR"/>
+              <a:t>ABOVE(b,c)</a:t>
+            </a:r>
+            <a:r>
+              <a:rPr lang="ko-KR" altLang="en-US"/>
+              <a:t> ∨ </a:t>
+            </a:r>
+            <a:r>
+              <a:rPr lang="en-US" altLang="ko-KR"/>
+              <a:t>ABOVE(a,c)</a:t>
+            </a:r>
+            <a:endParaRPr lang="ko-KR" altLang="en-US"/>
+          </a:p>
+        </p:txBody>
+      </p:sp>
+      <p:sp>
+        <p:nvSpPr>
+          <p:cNvPr id="14" name="사각형: 둥근 모서리 13">
+            <a:extLst>
+              <a:ext uri="{FF2B5EF4-FFF2-40B4-BE49-F238E27FC236}">
+                <a16:creationId xmlns:a16="http://schemas.microsoft.com/office/drawing/2014/main" id="{F9F627ED-7CCD-46DE-88B8-DCC1E4C6EB2B}"/>
+              </a:ext>
+            </a:extLst>
+          </p:cNvPr>
+          <p:cNvSpPr/>
+          <p:nvPr/>
+        </p:nvSpPr>
+        <p:spPr>
+          <a:xfrm>
+            <a:off x="1882140" y="2221992"/>
+            <a:ext cx="3093720" cy="521208"/>
+          </a:xfrm>
+          <a:prstGeom prst="roundRect">
+            <a:avLst/>
+          </a:prstGeom>
+          <a:solidFill>
+            <a:schemeClr val="accent1">
+              <a:lumMod val="20000"/>
+              <a:lumOff val="80000"/>
+            </a:schemeClr>
+          </a:solidFill>
+        </p:spPr>
+        <p:style>
+          <a:lnRef idx="2">
+            <a:schemeClr val="accent1">
+              <a:shade val="50000"/>
+            </a:schemeClr>
+          </a:lnRef>
+          <a:fillRef idx="1">
+            <a:schemeClr val="accent1"/>
+          </a:fillRef>
+          <a:effectRef idx="0">
+            <a:schemeClr val="accent1"/>
+          </a:effectRef>
+          <a:fontRef idx="minor">
+            <a:schemeClr val="lt1"/>
+          </a:fontRef>
+        </p:style>
+        <p:txBody>
+          <a:bodyPr rtlCol="0" anchor="ctr"/>
+          <a:lstStyle/>
+          <a:p>
+            <a:pPr algn="ctr"/>
+            <a:r>
+              <a:rPr lang="ko-KR" altLang="en-US" dirty="0"/>
+              <a:t>￢</a:t>
+            </a:r>
+            <a:r>
+              <a:rPr lang="en-US" altLang="ko-KR" dirty="0"/>
+              <a:t>ABOVE(</a:t>
+            </a:r>
+            <a:r>
+              <a:rPr lang="en-US" altLang="ko-KR" dirty="0" err="1"/>
+              <a:t>b,c</a:t>
+            </a:r>
+            <a:r>
+              <a:rPr lang="en-US" altLang="ko-KR" dirty="0"/>
+              <a:t>)</a:t>
+            </a:r>
+            <a:r>
+              <a:rPr lang="ko-KR" altLang="en-US" dirty="0"/>
+              <a:t> ∨ </a:t>
+            </a:r>
+            <a:r>
+              <a:rPr lang="en-US" altLang="ko-KR" dirty="0"/>
+              <a:t>ABOVE(</a:t>
+            </a:r>
+            <a:r>
+              <a:rPr lang="en-US" altLang="ko-KR" dirty="0" err="1"/>
+              <a:t>a,c</a:t>
+            </a:r>
+            <a:r>
+              <a:rPr lang="en-US" altLang="ko-KR" dirty="0"/>
+              <a:t>)</a:t>
+            </a:r>
+            <a:endParaRPr lang="ko-KR" altLang="en-US" dirty="0"/>
+          </a:p>
+        </p:txBody>
+      </p:sp>
+      <p:cxnSp>
+        <p:nvCxnSpPr>
+          <p:cNvPr id="16" name="직선 화살표 연결선 15">
+            <a:extLst>
+              <a:ext uri="{FF2B5EF4-FFF2-40B4-BE49-F238E27FC236}">
+                <a16:creationId xmlns:a16="http://schemas.microsoft.com/office/drawing/2014/main" id="{008E7120-DCF2-422C-B6A1-E114DCC9E04A}"/>
+              </a:ext>
+            </a:extLst>
+          </p:cNvPr>
+          <p:cNvCxnSpPr>
+            <a:stCxn id="5" idx="2"/>
+            <a:endCxn id="14" idx="0"/>
+          </p:cNvCxnSpPr>
+          <p:nvPr/>
+        </p:nvCxnSpPr>
+        <p:spPr>
+          <a:xfrm>
+            <a:off x="3429000" y="1676400"/>
+            <a:ext cx="0" cy="545592"/>
           </a:xfrm>
           <a:prstGeom prst="straightConnector1">
             <a:avLst/>
@@ -20415,23 +20241,271 @@
       </p:cxnSp>
       <p:cxnSp>
         <p:nvCxnSpPr>
+          <p:cNvPr id="20" name="직선 화살표 연결선 19">
+            <a:extLst>
+              <a:ext uri="{FF2B5EF4-FFF2-40B4-BE49-F238E27FC236}">
+                <a16:creationId xmlns:a16="http://schemas.microsoft.com/office/drawing/2014/main" id="{B495BAA0-1C32-4FE6-AB76-A0C2899F5B25}"/>
+              </a:ext>
+            </a:extLst>
+          </p:cNvPr>
+          <p:cNvCxnSpPr>
+            <a:stCxn id="13" idx="2"/>
+            <a:endCxn id="14" idx="0"/>
+          </p:cNvCxnSpPr>
+          <p:nvPr/>
+        </p:nvCxnSpPr>
+        <p:spPr>
+          <a:xfrm flipH="1">
+            <a:off x="3429000" y="1676400"/>
+            <a:ext cx="4727448" cy="545592"/>
+          </a:xfrm>
+          <a:prstGeom prst="straightConnector1">
+            <a:avLst/>
+          </a:prstGeom>
+          <a:ln>
+            <a:tailEnd type="triangle"/>
+          </a:ln>
+        </p:spPr>
+        <p:style>
+          <a:lnRef idx="1">
+            <a:schemeClr val="accent1"/>
+          </a:lnRef>
+          <a:fillRef idx="0">
+            <a:schemeClr val="accent1"/>
+          </a:fillRef>
+          <a:effectRef idx="0">
+            <a:schemeClr val="accent1"/>
+          </a:effectRef>
+          <a:fontRef idx="minor">
+            <a:schemeClr val="tx1"/>
+          </a:fontRef>
+        </p:style>
+      </p:cxnSp>
+      <p:sp>
+        <p:nvSpPr>
+          <p:cNvPr id="21" name="TextBox 20">
+            <a:extLst>
+              <a:ext uri="{FF2B5EF4-FFF2-40B4-BE49-F238E27FC236}">
+                <a16:creationId xmlns:a16="http://schemas.microsoft.com/office/drawing/2014/main" id="{E9929FBA-29FA-4F10-A412-59ADB28DAB70}"/>
+              </a:ext>
+            </a:extLst>
+          </p:cNvPr>
+          <p:cNvSpPr txBox="1"/>
+          <p:nvPr/>
+        </p:nvSpPr>
+        <p:spPr>
+          <a:xfrm>
+            <a:off x="864108" y="1789360"/>
+            <a:ext cx="2240280" cy="276999"/>
+          </a:xfrm>
+          <a:prstGeom prst="rect">
+            <a:avLst/>
+          </a:prstGeom>
+          <a:noFill/>
+        </p:spPr>
+        <p:txBody>
+          <a:bodyPr wrap="square" rtlCol="0">
+            <a:spAutoFit/>
+          </a:bodyPr>
+          <a:lstStyle/>
+          <a:p>
+            <a:r>
+              <a:rPr lang="en-US" altLang="ko-KR" sz="1200" dirty="0"/>
+              <a:t>X=a / y=b</a:t>
+            </a:r>
+            <a:r>
+              <a:rPr lang="ko-KR" altLang="en-US" sz="1200" dirty="0"/>
+              <a:t>로 대체</a:t>
+            </a:r>
+          </a:p>
+        </p:txBody>
+      </p:sp>
+      <p:sp>
+        <p:nvSpPr>
+          <p:cNvPr id="22" name="사각형: 둥근 모서리 21">
+            <a:extLst>
+              <a:ext uri="{FF2B5EF4-FFF2-40B4-BE49-F238E27FC236}">
+                <a16:creationId xmlns:a16="http://schemas.microsoft.com/office/drawing/2014/main" id="{CB039CD6-4D3E-415A-A1CF-CD1971084CEA}"/>
+              </a:ext>
+            </a:extLst>
+          </p:cNvPr>
+          <p:cNvSpPr/>
+          <p:nvPr/>
+        </p:nvSpPr>
+        <p:spPr>
+          <a:xfrm>
+            <a:off x="5990846" y="2221992"/>
+            <a:ext cx="2450592" cy="521208"/>
+          </a:xfrm>
+          <a:prstGeom prst="roundRect">
+            <a:avLst/>
+          </a:prstGeom>
+          <a:solidFill>
+            <a:schemeClr val="accent1">
+              <a:lumMod val="20000"/>
+              <a:lumOff val="80000"/>
+            </a:schemeClr>
+          </a:solidFill>
+        </p:spPr>
+        <p:style>
+          <a:lnRef idx="2">
+            <a:schemeClr val="accent1">
+              <a:shade val="50000"/>
+            </a:schemeClr>
+          </a:lnRef>
+          <a:fillRef idx="1">
+            <a:schemeClr val="accent1"/>
+          </a:fillRef>
+          <a:effectRef idx="0">
+            <a:schemeClr val="accent1"/>
+          </a:effectRef>
+          <a:fontRef idx="minor">
+            <a:schemeClr val="lt1"/>
+          </a:fontRef>
+        </p:style>
+        <p:txBody>
+          <a:bodyPr rtlCol="0" anchor="ctr"/>
+          <a:lstStyle/>
+          <a:p>
+            <a:pPr algn="ctr"/>
+            <a:r>
+              <a:rPr lang="en-US" altLang="ko-KR" dirty="0"/>
+              <a:t>ABOVE(</a:t>
+            </a:r>
+            <a:r>
+              <a:rPr lang="en-US" altLang="ko-KR" dirty="0" err="1"/>
+              <a:t>x,y</a:t>
+            </a:r>
+            <a:r>
+              <a:rPr lang="en-US" altLang="ko-KR" dirty="0"/>
+              <a:t>)</a:t>
+            </a:r>
+            <a:endParaRPr lang="ko-KR" altLang="en-US" dirty="0"/>
+          </a:p>
+        </p:txBody>
+      </p:sp>
+      <p:sp>
+        <p:nvSpPr>
+          <p:cNvPr id="23" name="사각형: 둥근 모서리 22">
+            <a:extLst>
+              <a:ext uri="{FF2B5EF4-FFF2-40B4-BE49-F238E27FC236}">
+                <a16:creationId xmlns:a16="http://schemas.microsoft.com/office/drawing/2014/main" id="{5EAEABD7-DBFC-4FED-8620-E2925D7B9FC1}"/>
+              </a:ext>
+            </a:extLst>
+          </p:cNvPr>
+          <p:cNvSpPr/>
+          <p:nvPr/>
+        </p:nvSpPr>
+        <p:spPr>
+          <a:xfrm>
+            <a:off x="3104388" y="3288792"/>
+            <a:ext cx="2450592" cy="521208"/>
+          </a:xfrm>
+          <a:prstGeom prst="roundRect">
+            <a:avLst/>
+          </a:prstGeom>
+          <a:solidFill>
+            <a:schemeClr val="accent1">
+              <a:lumMod val="20000"/>
+              <a:lumOff val="80000"/>
+            </a:schemeClr>
+          </a:solidFill>
+        </p:spPr>
+        <p:style>
+          <a:lnRef idx="2">
+            <a:schemeClr val="accent1">
+              <a:shade val="50000"/>
+            </a:schemeClr>
+          </a:lnRef>
+          <a:fillRef idx="1">
+            <a:schemeClr val="accent1"/>
+          </a:fillRef>
+          <a:effectRef idx="0">
+            <a:schemeClr val="accent1"/>
+          </a:effectRef>
+          <a:fontRef idx="minor">
+            <a:schemeClr val="lt1"/>
+          </a:fontRef>
+        </p:style>
+        <p:txBody>
+          <a:bodyPr rtlCol="0" anchor="ctr"/>
+          <a:lstStyle/>
+          <a:p>
+            <a:pPr algn="ctr"/>
+            <a:r>
+              <a:rPr lang="en-US" altLang="ko-KR" dirty="0"/>
+              <a:t>ABOVE(</a:t>
+            </a:r>
+            <a:r>
+              <a:rPr lang="en-US" altLang="ko-KR" dirty="0" err="1"/>
+              <a:t>a,c</a:t>
+            </a:r>
+            <a:r>
+              <a:rPr lang="en-US" altLang="ko-KR" dirty="0"/>
+              <a:t>)</a:t>
+            </a:r>
+            <a:endParaRPr lang="ko-KR" altLang="en-US" dirty="0"/>
+          </a:p>
+        </p:txBody>
+      </p:sp>
+      <p:sp>
+        <p:nvSpPr>
+          <p:cNvPr id="24" name="TextBox 23">
+            <a:extLst>
+              <a:ext uri="{FF2B5EF4-FFF2-40B4-BE49-F238E27FC236}">
+                <a16:creationId xmlns:a16="http://schemas.microsoft.com/office/drawing/2014/main" id="{6E682F44-7182-4BBD-B3A6-D2C8A3557F77}"/>
+              </a:ext>
+            </a:extLst>
+          </p:cNvPr>
+          <p:cNvSpPr txBox="1"/>
+          <p:nvPr/>
+        </p:nvSpPr>
+        <p:spPr>
+          <a:xfrm>
+            <a:off x="864108" y="3011793"/>
+            <a:ext cx="2240280" cy="276999"/>
+          </a:xfrm>
+          <a:prstGeom prst="rect">
+            <a:avLst/>
+          </a:prstGeom>
+          <a:noFill/>
+        </p:spPr>
+        <p:txBody>
+          <a:bodyPr wrap="square" rtlCol="0">
+            <a:spAutoFit/>
+          </a:bodyPr>
+          <a:lstStyle/>
+          <a:p>
+            <a:r>
+              <a:rPr lang="en-US" altLang="ko-KR" sz="1200" dirty="0"/>
+              <a:t>X=b / y=c</a:t>
+            </a:r>
+            <a:r>
+              <a:rPr lang="ko-KR" altLang="en-US" sz="1200" dirty="0"/>
+              <a:t>로 대체</a:t>
+            </a:r>
+          </a:p>
+        </p:txBody>
+      </p:sp>
+      <p:cxnSp>
+        <p:nvCxnSpPr>
           <p:cNvPr id="26" name="직선 화살표 연결선 25">
             <a:extLst>
               <a:ext uri="{FF2B5EF4-FFF2-40B4-BE49-F238E27FC236}">
-                <a16:creationId xmlns:a16="http://schemas.microsoft.com/office/drawing/2014/main" id="{C4D79A84-1391-47E1-9D75-D367CA938452}"/>
+                <a16:creationId xmlns:a16="http://schemas.microsoft.com/office/drawing/2014/main" id="{33D1586C-B55D-4F30-A10F-5F533D87788E}"/>
               </a:ext>
             </a:extLst>
           </p:cNvPr>
           <p:cNvCxnSpPr>
-            <a:stCxn id="12" idx="2"/>
-            <a:endCxn id="19" idx="0"/>
+            <a:stCxn id="14" idx="2"/>
+            <a:endCxn id="23" idx="0"/>
           </p:cNvCxnSpPr>
           <p:nvPr/>
         </p:nvCxnSpPr>
         <p:spPr>
           <a:xfrm>
-            <a:off x="2857310" y="2537460"/>
-            <a:ext cx="726948" cy="722377"/>
+            <a:off x="3429000" y="2743200"/>
+            <a:ext cx="900684" cy="545592"/>
           </a:xfrm>
           <a:prstGeom prst="straightConnector1">
             <a:avLst/>
@@ -20460,21 +20534,20 @@
           <p:cNvPr id="28" name="직선 화살표 연결선 27">
             <a:extLst>
               <a:ext uri="{FF2B5EF4-FFF2-40B4-BE49-F238E27FC236}">
-                <a16:creationId xmlns:a16="http://schemas.microsoft.com/office/drawing/2014/main" id="{0BDBE056-2BE1-4830-B46A-5791A0C0DE59}"/>
+                <a16:creationId xmlns:a16="http://schemas.microsoft.com/office/drawing/2014/main" id="{ADEF66E7-DFEF-4CF5-8943-8C7A4183D8FB}"/>
               </a:ext>
             </a:extLst>
           </p:cNvPr>
           <p:cNvCxnSpPr>
-            <a:cxnSpLocks/>
-            <a:stCxn id="16" idx="2"/>
-            <a:endCxn id="19" idx="0"/>
+            <a:stCxn id="22" idx="2"/>
+            <a:endCxn id="23" idx="0"/>
           </p:cNvCxnSpPr>
           <p:nvPr/>
         </p:nvCxnSpPr>
         <p:spPr>
           <a:xfrm flipH="1">
-            <a:off x="3584258" y="2510028"/>
-            <a:ext cx="5185601" cy="749809"/>
+            <a:off x="4329684" y="2743200"/>
+            <a:ext cx="2886458" cy="545592"/>
           </a:xfrm>
           <a:prstGeom prst="straightConnector1">
             <a:avLst/>
@@ -20500,10 +20573,10 @@
       </p:cxnSp>
       <p:sp>
         <p:nvSpPr>
-          <p:cNvPr id="30" name="사각형: 둥근 모서리 29">
-            <a:extLst>
-              <a:ext uri="{FF2B5EF4-FFF2-40B4-BE49-F238E27FC236}">
-                <a16:creationId xmlns:a16="http://schemas.microsoft.com/office/drawing/2014/main" id="{9365C85F-4CBB-45E2-8595-2DC44FBAAB74}"/>
+          <p:cNvPr id="29" name="사각형: 둥근 모서리 28">
+            <a:extLst>
+              <a:ext uri="{FF2B5EF4-FFF2-40B4-BE49-F238E27FC236}">
+                <a16:creationId xmlns:a16="http://schemas.microsoft.com/office/drawing/2014/main" id="{48D8E896-1140-4F8C-A81F-7B68180A0854}"/>
               </a:ext>
             </a:extLst>
           </p:cNvPr>
@@ -20512,8 +20585,8 @@
         </p:nvSpPr>
         <p:spPr>
           <a:xfrm>
-            <a:off x="1575436" y="4334258"/>
-            <a:ext cx="4017644" cy="704088"/>
+            <a:off x="6365748" y="3288792"/>
+            <a:ext cx="2450592" cy="521208"/>
           </a:xfrm>
           <a:prstGeom prst="roundRect">
             <a:avLst/>
@@ -20545,21 +20618,23 @@
           <a:bodyPr rtlCol="0" anchor="ctr"/>
           <a:lstStyle/>
           <a:p>
-            <a:pPr algn="ctr"/>
-            <a:r>
-              <a:rPr lang="en-US" altLang="ko-KR" dirty="0"/>
-              <a:t>Older(Kim,Kim2)</a:t>
-            </a:r>
-            <a:endParaRPr lang="ko-KR" altLang="en-US" dirty="0"/>
-          </a:p>
-        </p:txBody>
-      </p:sp>
-      <p:sp>
-        <p:nvSpPr>
-          <p:cNvPr id="31" name="사각형: 둥근 모서리 30">
-            <a:extLst>
-              <a:ext uri="{FF2B5EF4-FFF2-40B4-BE49-F238E27FC236}">
-                <a16:creationId xmlns:a16="http://schemas.microsoft.com/office/drawing/2014/main" id="{A976475E-D3C6-441C-9EFB-3E913A8DEEF4}"/>
+            <a:r>
+              <a:rPr lang="ko-KR" altLang="en-US" dirty="0"/>
+              <a:t>￢</a:t>
+            </a:r>
+            <a:r>
+              <a:rPr lang="en-US" altLang="ko-KR" dirty="0"/>
+              <a:t>ABOVE(A, Table)</a:t>
+            </a:r>
+          </a:p>
+        </p:txBody>
+      </p:sp>
+      <p:sp>
+        <p:nvSpPr>
+          <p:cNvPr id="30" name="사각형: 둥근 모서리 29">
+            <a:extLst>
+              <a:ext uri="{FF2B5EF4-FFF2-40B4-BE49-F238E27FC236}">
+                <a16:creationId xmlns:a16="http://schemas.microsoft.com/office/drawing/2014/main" id="{580A3061-999B-49DE-B831-F821BA3CF6E3}"/>
               </a:ext>
             </a:extLst>
           </p:cNvPr>
@@ -20568,8 +20643,8 @@
         </p:nvSpPr>
         <p:spPr>
           <a:xfrm>
-            <a:off x="6318124" y="4334258"/>
-            <a:ext cx="4017644" cy="704088"/>
+            <a:off x="4870704" y="4492752"/>
+            <a:ext cx="2450592" cy="521208"/>
           </a:xfrm>
           <a:prstGeom prst="roundRect">
             <a:avLst/>
@@ -20603,92 +20678,31 @@
           <a:p>
             <a:pPr algn="ctr"/>
             <a:r>
-              <a:rPr lang="ko-KR" altLang="en-US" dirty="0"/>
-              <a:t>￢</a:t>
-            </a:r>
-            <a:r>
-              <a:rPr lang="en-US" altLang="ko-KR" dirty="0"/>
-              <a:t>Older(Kim,Kim2)</a:t>
-            </a:r>
-            <a:endParaRPr lang="ko-KR" altLang="en-US" dirty="0"/>
-          </a:p>
-        </p:txBody>
-      </p:sp>
-      <p:sp>
-        <p:nvSpPr>
-          <p:cNvPr id="32" name="사각형: 둥근 모서리 31">
-            <a:extLst>
-              <a:ext uri="{FF2B5EF4-FFF2-40B4-BE49-F238E27FC236}">
-                <a16:creationId xmlns:a16="http://schemas.microsoft.com/office/drawing/2014/main" id="{A9BEA26B-0579-4270-947C-4DEEC3F1BB0C}"/>
-              </a:ext>
-            </a:extLst>
-          </p:cNvPr>
-          <p:cNvSpPr/>
-          <p:nvPr/>
-        </p:nvSpPr>
-        <p:spPr>
-          <a:xfrm>
-            <a:off x="4617720" y="5538218"/>
-            <a:ext cx="2692622" cy="704088"/>
-          </a:xfrm>
-          <a:prstGeom prst="roundRect">
-            <a:avLst/>
-          </a:prstGeom>
-          <a:solidFill>
-            <a:schemeClr val="accent1">
-              <a:lumMod val="20000"/>
-              <a:lumOff val="80000"/>
-            </a:schemeClr>
-          </a:solidFill>
-        </p:spPr>
-        <p:style>
-          <a:lnRef idx="2">
-            <a:schemeClr val="accent1">
-              <a:shade val="50000"/>
-            </a:schemeClr>
-          </a:lnRef>
-          <a:fillRef idx="1">
-            <a:schemeClr val="accent1"/>
-          </a:fillRef>
-          <a:effectRef idx="0">
-            <a:schemeClr val="accent1"/>
-          </a:effectRef>
-          <a:fontRef idx="minor">
-            <a:schemeClr val="lt1"/>
-          </a:fontRef>
-        </p:style>
-        <p:txBody>
-          <a:bodyPr rtlCol="0" anchor="ctr"/>
-          <a:lstStyle/>
-          <a:p>
-            <a:pPr algn="ctr"/>
-            <a:r>
               <a:rPr lang="en-US" altLang="ko-KR" dirty="0"/>
               <a:t>NIL</a:t>
             </a:r>
-            <a:endParaRPr lang="ko-KR" altLang="en-US" dirty="0"/>
           </a:p>
         </p:txBody>
       </p:sp>
       <p:cxnSp>
         <p:nvCxnSpPr>
-          <p:cNvPr id="34" name="직선 화살표 연결선 33">
-            <a:extLst>
-              <a:ext uri="{FF2B5EF4-FFF2-40B4-BE49-F238E27FC236}">
-                <a16:creationId xmlns:a16="http://schemas.microsoft.com/office/drawing/2014/main" id="{05E4A477-8011-4E17-A953-1F38F5D6E733}"/>
+          <p:cNvPr id="32" name="직선 화살표 연결선 31">
+            <a:extLst>
+              <a:ext uri="{FF2B5EF4-FFF2-40B4-BE49-F238E27FC236}">
+                <a16:creationId xmlns:a16="http://schemas.microsoft.com/office/drawing/2014/main" id="{DA31255C-36E0-445A-85AD-F7E673471FDF}"/>
               </a:ext>
             </a:extLst>
           </p:cNvPr>
           <p:cNvCxnSpPr>
-            <a:stCxn id="19" idx="2"/>
+            <a:stCxn id="23" idx="2"/>
             <a:endCxn id="30" idx="0"/>
           </p:cNvCxnSpPr>
           <p:nvPr/>
         </p:nvCxnSpPr>
         <p:spPr>
           <a:xfrm>
-            <a:off x="3584258" y="3963925"/>
-            <a:ext cx="0" cy="370333"/>
+            <a:off x="4329684" y="3810000"/>
+            <a:ext cx="1766316" cy="682752"/>
           </a:xfrm>
           <a:prstGeom prst="straightConnector1">
             <a:avLst/>
@@ -20714,22 +20728,22 @@
       </p:cxnSp>
       <p:cxnSp>
         <p:nvCxnSpPr>
-          <p:cNvPr id="36" name="직선 화살표 연결선 35">
-            <a:extLst>
-              <a:ext uri="{FF2B5EF4-FFF2-40B4-BE49-F238E27FC236}">
-                <a16:creationId xmlns:a16="http://schemas.microsoft.com/office/drawing/2014/main" id="{3D7BD525-025B-4F18-9FB8-4F47C6350BD5}"/>
+          <p:cNvPr id="34" name="직선 화살표 연결선 33">
+            <a:extLst>
+              <a:ext uri="{FF2B5EF4-FFF2-40B4-BE49-F238E27FC236}">
+                <a16:creationId xmlns:a16="http://schemas.microsoft.com/office/drawing/2014/main" id="{4FA75925-23E3-481C-AFA3-35EED4C2DFE8}"/>
               </a:ext>
             </a:extLst>
           </p:cNvPr>
           <p:cNvCxnSpPr>
-            <a:stCxn id="20" idx="2"/>
+            <a:stCxn id="29" idx="2"/>
           </p:cNvCxnSpPr>
           <p:nvPr/>
         </p:nvCxnSpPr>
         <p:spPr>
           <a:xfrm flipH="1">
-            <a:off x="3584258" y="3963925"/>
-            <a:ext cx="5023486" cy="306323"/>
+            <a:off x="5990846" y="3810000"/>
+            <a:ext cx="1600198" cy="682752"/>
           </a:xfrm>
           <a:prstGeom prst="straightConnector1">
             <a:avLst/>
@@ -20753,93 +20767,133 @@
           </a:fontRef>
         </p:style>
       </p:cxnSp>
-      <p:cxnSp>
-        <p:nvCxnSpPr>
-          <p:cNvPr id="38" name="직선 화살표 연결선 37">
-            <a:extLst>
-              <a:ext uri="{FF2B5EF4-FFF2-40B4-BE49-F238E27FC236}">
-                <a16:creationId xmlns:a16="http://schemas.microsoft.com/office/drawing/2014/main" id="{E6006326-F77F-4569-A6F2-AF7AFACA7729}"/>
-              </a:ext>
-            </a:extLst>
-          </p:cNvPr>
-          <p:cNvCxnSpPr>
-            <a:stCxn id="30" idx="2"/>
-            <a:endCxn id="32" idx="0"/>
-          </p:cNvCxnSpPr>
-          <p:nvPr/>
-        </p:nvCxnSpPr>
-        <p:spPr>
-          <a:xfrm>
-            <a:off x="3584258" y="5038346"/>
-            <a:ext cx="2379773" cy="499872"/>
-          </a:xfrm>
-          <a:prstGeom prst="straightConnector1">
-            <a:avLst/>
-          </a:prstGeom>
-          <a:ln>
-            <a:tailEnd type="triangle"/>
-          </a:ln>
-        </p:spPr>
-        <p:style>
-          <a:lnRef idx="1">
-            <a:schemeClr val="accent1"/>
-          </a:lnRef>
-          <a:fillRef idx="0">
-            <a:schemeClr val="accent1"/>
-          </a:fillRef>
-          <a:effectRef idx="0">
-            <a:schemeClr val="accent1"/>
-          </a:effectRef>
-          <a:fontRef idx="minor">
-            <a:schemeClr val="tx1"/>
-          </a:fontRef>
-        </p:style>
-      </p:cxnSp>
-      <p:cxnSp>
-        <p:nvCxnSpPr>
-          <p:cNvPr id="40" name="직선 화살표 연결선 39">
-            <a:extLst>
-              <a:ext uri="{FF2B5EF4-FFF2-40B4-BE49-F238E27FC236}">
-                <a16:creationId xmlns:a16="http://schemas.microsoft.com/office/drawing/2014/main" id="{63A9A32D-CEBC-4EFF-BE33-8E50F1B038E7}"/>
-              </a:ext>
-            </a:extLst>
-          </p:cNvPr>
-          <p:cNvCxnSpPr>
-            <a:stCxn id="31" idx="2"/>
-          </p:cNvCxnSpPr>
-          <p:nvPr/>
-        </p:nvCxnSpPr>
-        <p:spPr>
-          <a:xfrm flipH="1">
-            <a:off x="5964031" y="5038346"/>
-            <a:ext cx="2362915" cy="499872"/>
-          </a:xfrm>
-          <a:prstGeom prst="straightConnector1">
-            <a:avLst/>
-          </a:prstGeom>
-          <a:ln>
-            <a:tailEnd type="triangle"/>
-          </a:ln>
-        </p:spPr>
-        <p:style>
-          <a:lnRef idx="1">
-            <a:schemeClr val="accent1"/>
-          </a:lnRef>
-          <a:fillRef idx="0">
-            <a:schemeClr val="accent1"/>
-          </a:fillRef>
-          <a:effectRef idx="0">
-            <a:schemeClr val="accent1"/>
-          </a:effectRef>
-          <a:fontRef idx="minor">
-            <a:schemeClr val="tx1"/>
-          </a:fontRef>
-        </p:style>
-      </p:cxnSp>
+      <p:sp>
+        <p:nvSpPr>
+          <p:cNvPr id="35" name="TextBox 34">
+            <a:extLst>
+              <a:ext uri="{FF2B5EF4-FFF2-40B4-BE49-F238E27FC236}">
+                <a16:creationId xmlns:a16="http://schemas.microsoft.com/office/drawing/2014/main" id="{5FAF8EA6-CAB6-4956-853F-0517D3899F97}"/>
+              </a:ext>
+            </a:extLst>
+          </p:cNvPr>
+          <p:cNvSpPr txBox="1"/>
+          <p:nvPr/>
+        </p:nvSpPr>
+        <p:spPr>
+          <a:xfrm>
+            <a:off x="864108" y="4013060"/>
+            <a:ext cx="2240280" cy="276999"/>
+          </a:xfrm>
+          <a:prstGeom prst="rect">
+            <a:avLst/>
+          </a:prstGeom>
+          <a:noFill/>
+        </p:spPr>
+        <p:txBody>
+          <a:bodyPr wrap="square" rtlCol="0">
+            <a:spAutoFit/>
+          </a:bodyPr>
+          <a:lstStyle/>
+          <a:p>
+            <a:r>
+              <a:rPr lang="en-US" altLang="ko-KR" sz="1200" dirty="0"/>
+              <a:t>a=A / c=Table</a:t>
+            </a:r>
+            <a:r>
+              <a:rPr lang="ko-KR" altLang="en-US" sz="1200" dirty="0"/>
+              <a:t>로 대체</a:t>
+            </a:r>
+          </a:p>
+        </p:txBody>
+      </p:sp>
+      <p:sp>
+        <p:nvSpPr>
+          <p:cNvPr id="36" name="TextBox 35">
+            <a:extLst>
+              <a:ext uri="{FF2B5EF4-FFF2-40B4-BE49-F238E27FC236}">
+                <a16:creationId xmlns:a16="http://schemas.microsoft.com/office/drawing/2014/main" id="{DF4D5180-D0A5-46B2-962E-9B35BF240E69}"/>
+              </a:ext>
+            </a:extLst>
+          </p:cNvPr>
+          <p:cNvSpPr txBox="1"/>
+          <p:nvPr/>
+        </p:nvSpPr>
+        <p:spPr>
+          <a:xfrm>
+            <a:off x="2542032" y="5431536"/>
+            <a:ext cx="7342632" cy="384048"/>
+          </a:xfrm>
+          <a:prstGeom prst="rect">
+            <a:avLst/>
+          </a:prstGeom>
+          <a:noFill/>
+        </p:spPr>
+        <p:txBody>
+          <a:bodyPr wrap="square" rtlCol="0">
+            <a:spAutoFit/>
+          </a:bodyPr>
+          <a:lstStyle/>
+          <a:p>
+            <a:r>
+              <a:rPr lang="ko-KR" altLang="en-US" b="1" i="1" dirty="0">
+                <a:solidFill>
+                  <a:srgbClr val="FF0000"/>
+                </a:solidFill>
+              </a:rPr>
+              <a:t>따라서 </a:t>
+            </a:r>
+            <a:r>
+              <a:rPr lang="en-US" altLang="ko-KR" b="1" i="1" dirty="0">
+                <a:solidFill>
+                  <a:srgbClr val="FF0000"/>
+                </a:solidFill>
+              </a:rPr>
+              <a:t>ABOVE(</a:t>
+            </a:r>
+            <a:r>
+              <a:rPr lang="en-US" altLang="ko-KR" b="1" i="1" dirty="0" err="1">
+                <a:solidFill>
+                  <a:srgbClr val="FF0000"/>
+                </a:solidFill>
+              </a:rPr>
+              <a:t>A,Table</a:t>
+            </a:r>
+            <a:r>
+              <a:rPr lang="en-US" altLang="ko-KR" b="1" i="1" dirty="0">
+                <a:solidFill>
+                  <a:srgbClr val="FF0000"/>
+                </a:solidFill>
+              </a:rPr>
+              <a:t>)</a:t>
+            </a:r>
+            <a:r>
+              <a:rPr lang="ko-KR" altLang="en-US" b="1" i="1" dirty="0">
+                <a:solidFill>
+                  <a:srgbClr val="FF0000"/>
+                </a:solidFill>
+              </a:rPr>
+              <a:t>은 참이다</a:t>
+            </a:r>
+            <a:r>
+              <a:rPr lang="en-US" altLang="ko-KR" b="1" i="1" dirty="0">
+                <a:solidFill>
+                  <a:srgbClr val="FF0000"/>
+                </a:solidFill>
+              </a:rPr>
+              <a:t>. </a:t>
+            </a:r>
+            <a:endParaRPr lang="ko-KR" altLang="en-US" b="1" i="1" dirty="0">
+              <a:solidFill>
+                <a:srgbClr val="FF0000"/>
+              </a:solidFill>
+            </a:endParaRPr>
+          </a:p>
+        </p:txBody>
+      </p:sp>
     </p:spTree>
     <p:extLst>
       <p:ext uri="{BB962C8B-B14F-4D97-AF65-F5344CB8AC3E}">
-        <p14:creationId xmlns:p14="http://schemas.microsoft.com/office/powerpoint/2010/main" val="1597183887"/>
+        <p14:creationId xmlns:p14="http://schemas.microsoft.com/office/powerpoint/2010/main" val="2602345210"/>
       </p:ext>
     </p:extLst>
   </p:cSld>
